--- a/wiki/document/THE i-DELIVER SYSTEM.pptx
+++ b/wiki/document/THE i-DELIVER SYSTEM.pptx
@@ -9,16 +9,14 @@
     <p:sldId id="257" r:id="rId3"/>
     <p:sldId id="258" r:id="rId4"/>
     <p:sldId id="259" r:id="rId5"/>
-    <p:sldId id="260" r:id="rId6"/>
-    <p:sldId id="261" r:id="rId7"/>
-    <p:sldId id="262" r:id="rId8"/>
-    <p:sldId id="263" r:id="rId9"/>
-    <p:sldId id="264" r:id="rId10"/>
-    <p:sldId id="269" r:id="rId11"/>
-    <p:sldId id="265" r:id="rId12"/>
-    <p:sldId id="266" r:id="rId13"/>
-    <p:sldId id="267" r:id="rId14"/>
-    <p:sldId id="268" r:id="rId15"/>
+    <p:sldId id="262" r:id="rId6"/>
+    <p:sldId id="263" r:id="rId7"/>
+    <p:sldId id="264" r:id="rId8"/>
+    <p:sldId id="269" r:id="rId9"/>
+    <p:sldId id="265" r:id="rId10"/>
+    <p:sldId id="266" r:id="rId11"/>
+    <p:sldId id="267" r:id="rId12"/>
+    <p:sldId id="268" r:id="rId13"/>
   </p:sldIdLst>
   <p:sldSz cx="9144000" cy="6858000" type="screen4x3"/>
   <p:notesSz cx="6858000" cy="9144000"/>
@@ -3718,50 +3716,6 @@
         </a:p>
       </dgm:t>
     </dgm:pt>
-    <dgm:pt modelId="{5BF1AB9D-A220-4A4E-A3F8-78F3155C1854}">
-      <dgm:prSet phldrT="[Text]" custT="1"/>
-      <dgm:spPr/>
-      <dgm:t>
-        <a:bodyPr/>
-        <a:lstStyle/>
-        <a:p>
-          <a:r>
-            <a:rPr lang="en-US" sz="2400" dirty="0" smtClean="0"/>
-            <a:t>Advantages &amp; disadvantages of current scenario</a:t>
-          </a:r>
-          <a:endParaRPr lang="en-US" sz="2400" dirty="0"/>
-        </a:p>
-      </dgm:t>
-      <dgm:extLst>
-        <a:ext uri="{E40237B7-FDA0-4F09-8148-C483321AD2D9}">
-          <dgm14:cNvPr xmlns:dgm14="http://schemas.microsoft.com/office/drawing/2010/diagram" id="0" name="">
-            <a:hlinkClick xmlns:r="http://schemas.openxmlformats.org/officeDocument/2006/relationships" r:id="rId2" action="ppaction://hlinksldjump"/>
-          </dgm14:cNvPr>
-        </a:ext>
-      </dgm:extLst>
-    </dgm:pt>
-    <dgm:pt modelId="{D20B3FC1-59C7-4174-8EA7-531D5E431EF6}" type="parTrans" cxnId="{CA88ABF6-8C37-4E17-A28E-A4FF21C5E88E}">
-      <dgm:prSet/>
-      <dgm:spPr/>
-      <dgm:t>
-        <a:bodyPr/>
-        <a:lstStyle/>
-        <a:p>
-          <a:endParaRPr lang="en-US"/>
-        </a:p>
-      </dgm:t>
-    </dgm:pt>
-    <dgm:pt modelId="{772FB84C-719B-4D8D-AD08-1C8A82B838FD}" type="sibTrans" cxnId="{CA88ABF6-8C37-4E17-A28E-A4FF21C5E88E}">
-      <dgm:prSet/>
-      <dgm:spPr/>
-      <dgm:t>
-        <a:bodyPr/>
-        <a:lstStyle/>
-        <a:p>
-          <a:endParaRPr lang="en-US"/>
-        </a:p>
-      </dgm:t>
-    </dgm:pt>
     <dgm:pt modelId="{E74383C0-205C-4801-A695-86396708BB48}">
       <dgm:prSet phldrT="[Text]" custT="1"/>
       <dgm:spPr/>
@@ -3973,7 +3927,7 @@
       <dgm:spPr/>
     </dgm:pt>
     <dgm:pt modelId="{81D10948-8047-4E00-86F7-5ED16C45CAC2}" type="pres">
-      <dgm:prSet presAssocID="{C34CCBD5-D359-4F06-A5B2-4580321A8A10}" presName="srcNode" presStyleLbl="node1" presStyleIdx="0" presStyleCnt="7"/>
+      <dgm:prSet presAssocID="{C34CCBD5-D359-4F06-A5B2-4580321A8A10}" presName="srcNode" presStyleLbl="node1" presStyleIdx="0" presStyleCnt="6"/>
       <dgm:spPr/>
     </dgm:pt>
     <dgm:pt modelId="{B5BCC200-60D7-4900-9A7B-24268C814EEB}" type="pres">
@@ -3988,15 +3942,15 @@
       </dgm:t>
     </dgm:pt>
     <dgm:pt modelId="{5A558F62-A1EF-4D6B-B4EE-81B67C40EF48}" type="pres">
-      <dgm:prSet presAssocID="{C34CCBD5-D359-4F06-A5B2-4580321A8A10}" presName="extraNode" presStyleLbl="node1" presStyleIdx="0" presStyleCnt="7"/>
+      <dgm:prSet presAssocID="{C34CCBD5-D359-4F06-A5B2-4580321A8A10}" presName="extraNode" presStyleLbl="node1" presStyleIdx="0" presStyleCnt="6"/>
       <dgm:spPr/>
     </dgm:pt>
     <dgm:pt modelId="{494A8A13-CD1F-4D73-9105-FD13D434FED0}" type="pres">
-      <dgm:prSet presAssocID="{C34CCBD5-D359-4F06-A5B2-4580321A8A10}" presName="dstNode" presStyleLbl="node1" presStyleIdx="0" presStyleCnt="7"/>
+      <dgm:prSet presAssocID="{C34CCBD5-D359-4F06-A5B2-4580321A8A10}" presName="dstNode" presStyleLbl="node1" presStyleIdx="0" presStyleCnt="6"/>
       <dgm:spPr/>
     </dgm:pt>
     <dgm:pt modelId="{6D34E32F-661A-4618-89FE-A0BF1FF331F3}" type="pres">
-      <dgm:prSet presAssocID="{F31BE1AA-7EEE-4C24-B257-5E9A5022D13C}" presName="text_1" presStyleLbl="node1" presStyleIdx="0" presStyleCnt="7">
+      <dgm:prSet presAssocID="{F31BE1AA-7EEE-4C24-B257-5E9A5022D13C}" presName="text_1" presStyleLbl="node1" presStyleIdx="0" presStyleCnt="6">
         <dgm:presLayoutVars>
           <dgm:bulletEnabled val="1"/>
         </dgm:presLayoutVars>
@@ -4015,11 +3969,11 @@
       <dgm:spPr/>
     </dgm:pt>
     <dgm:pt modelId="{4CD4FE62-4259-48ED-9D5C-A489B67DFAF1}" type="pres">
-      <dgm:prSet presAssocID="{F31BE1AA-7EEE-4C24-B257-5E9A5022D13C}" presName="accentRepeatNode" presStyleLbl="solidFgAcc1" presStyleIdx="0" presStyleCnt="7"/>
+      <dgm:prSet presAssocID="{F31BE1AA-7EEE-4C24-B257-5E9A5022D13C}" presName="accentRepeatNode" presStyleLbl="solidFgAcc1" presStyleIdx="0" presStyleCnt="6"/>
       <dgm:spPr/>
     </dgm:pt>
-    <dgm:pt modelId="{A3104B99-855C-49B4-8069-FCC68D29EB1A}" type="pres">
-      <dgm:prSet presAssocID="{5BF1AB9D-A220-4A4E-A3F8-78F3155C1854}" presName="text_2" presStyleLbl="node1" presStyleIdx="1" presStyleCnt="7">
+    <dgm:pt modelId="{04ACA96E-5FBB-49BB-89A1-C2CCB2652244}" type="pres">
+      <dgm:prSet presAssocID="{E74383C0-205C-4801-A695-86396708BB48}" presName="text_2" presStyleLbl="node1" presStyleIdx="1" presStyleCnt="6">
         <dgm:presLayoutVars>
           <dgm:bulletEnabled val="1"/>
         </dgm:presLayoutVars>
@@ -4033,16 +3987,16 @@
         </a:p>
       </dgm:t>
     </dgm:pt>
-    <dgm:pt modelId="{D6B653C4-CF9F-4B49-8BBC-B348D15F6D5D}" type="pres">
-      <dgm:prSet presAssocID="{5BF1AB9D-A220-4A4E-A3F8-78F3155C1854}" presName="accent_2" presStyleCnt="0"/>
+    <dgm:pt modelId="{583E081D-6345-44C2-9C44-4C85DA22CDFE}" type="pres">
+      <dgm:prSet presAssocID="{E74383C0-205C-4801-A695-86396708BB48}" presName="accent_2" presStyleCnt="0"/>
       <dgm:spPr/>
     </dgm:pt>
-    <dgm:pt modelId="{35D27AC3-6543-47EC-9D43-F196CF36F3B0}" type="pres">
-      <dgm:prSet presAssocID="{5BF1AB9D-A220-4A4E-A3F8-78F3155C1854}" presName="accentRepeatNode" presStyleLbl="solidFgAcc1" presStyleIdx="1" presStyleCnt="7"/>
+    <dgm:pt modelId="{814DB13A-998E-4DC4-BD6A-589A139B6B03}" type="pres">
+      <dgm:prSet presAssocID="{E74383C0-205C-4801-A695-86396708BB48}" presName="accentRepeatNode" presStyleLbl="solidFgAcc1" presStyleIdx="1" presStyleCnt="6"/>
       <dgm:spPr/>
     </dgm:pt>
-    <dgm:pt modelId="{EECC6FE4-1328-4BBE-8F10-6779855078EC}" type="pres">
-      <dgm:prSet presAssocID="{E74383C0-205C-4801-A695-86396708BB48}" presName="text_3" presStyleLbl="node1" presStyleIdx="2" presStyleCnt="7">
+    <dgm:pt modelId="{6D1EBD7B-4810-4AE4-A8E1-70B47C84D995}" type="pres">
+      <dgm:prSet presAssocID="{E55B2719-257A-4E09-8AD2-1EBECF00128E}" presName="text_3" presStyleLbl="node1" presStyleIdx="2" presStyleCnt="6">
         <dgm:presLayoutVars>
           <dgm:bulletEnabled val="1"/>
         </dgm:presLayoutVars>
@@ -4056,16 +4010,16 @@
         </a:p>
       </dgm:t>
     </dgm:pt>
-    <dgm:pt modelId="{7CD829F9-C9CC-4330-A3CE-A851F5F6F26C}" type="pres">
-      <dgm:prSet presAssocID="{E74383C0-205C-4801-A695-86396708BB48}" presName="accent_3" presStyleCnt="0"/>
+    <dgm:pt modelId="{E1E86660-B30E-4209-9C1E-E19554F25E4E}" type="pres">
+      <dgm:prSet presAssocID="{E55B2719-257A-4E09-8AD2-1EBECF00128E}" presName="accent_3" presStyleCnt="0"/>
       <dgm:spPr/>
     </dgm:pt>
-    <dgm:pt modelId="{814DB13A-998E-4DC4-BD6A-589A139B6B03}" type="pres">
-      <dgm:prSet presAssocID="{E74383C0-205C-4801-A695-86396708BB48}" presName="accentRepeatNode" presStyleLbl="solidFgAcc1" presStyleIdx="2" presStyleCnt="7"/>
+    <dgm:pt modelId="{EE20CFA9-0DA5-42D2-A695-B32F0CCCC2C9}" type="pres">
+      <dgm:prSet presAssocID="{E55B2719-257A-4E09-8AD2-1EBECF00128E}" presName="accentRepeatNode" presStyleLbl="solidFgAcc1" presStyleIdx="2" presStyleCnt="6"/>
       <dgm:spPr/>
     </dgm:pt>
-    <dgm:pt modelId="{23DC2D5B-B3C7-486F-9CE2-F99E5043B399}" type="pres">
-      <dgm:prSet presAssocID="{E55B2719-257A-4E09-8AD2-1EBECF00128E}" presName="text_4" presStyleLbl="node1" presStyleIdx="3" presStyleCnt="7">
+    <dgm:pt modelId="{A4586E35-2BE7-4AB6-BF84-021C9C8AD244}" type="pres">
+      <dgm:prSet presAssocID="{76F5375F-1239-4158-A608-87D9ED4DF278}" presName="text_4" presStyleLbl="node1" presStyleIdx="3" presStyleCnt="6">
         <dgm:presLayoutVars>
           <dgm:bulletEnabled val="1"/>
         </dgm:presLayoutVars>
@@ -4079,16 +4033,16 @@
         </a:p>
       </dgm:t>
     </dgm:pt>
-    <dgm:pt modelId="{39AC9669-EE45-473B-A11E-B23293F293BC}" type="pres">
-      <dgm:prSet presAssocID="{E55B2719-257A-4E09-8AD2-1EBECF00128E}" presName="accent_4" presStyleCnt="0"/>
+    <dgm:pt modelId="{63E52DF8-F0C6-4B4A-8E21-00B9FE875A1C}" type="pres">
+      <dgm:prSet presAssocID="{76F5375F-1239-4158-A608-87D9ED4DF278}" presName="accent_4" presStyleCnt="0"/>
       <dgm:spPr/>
     </dgm:pt>
-    <dgm:pt modelId="{EE20CFA9-0DA5-42D2-A695-B32F0CCCC2C9}" type="pres">
-      <dgm:prSet presAssocID="{E55B2719-257A-4E09-8AD2-1EBECF00128E}" presName="accentRepeatNode" presStyleLbl="solidFgAcc1" presStyleIdx="3" presStyleCnt="7"/>
+    <dgm:pt modelId="{A3E89A63-B901-4849-9AC8-2BA30F665AF1}" type="pres">
+      <dgm:prSet presAssocID="{76F5375F-1239-4158-A608-87D9ED4DF278}" presName="accentRepeatNode" presStyleLbl="solidFgAcc1" presStyleIdx="3" presStyleCnt="6"/>
       <dgm:spPr/>
     </dgm:pt>
-    <dgm:pt modelId="{9E335180-6E28-4ED0-A243-978597241A38}" type="pres">
-      <dgm:prSet presAssocID="{76F5375F-1239-4158-A608-87D9ED4DF278}" presName="text_5" presStyleLbl="node1" presStyleIdx="4" presStyleCnt="7">
+    <dgm:pt modelId="{540EAC31-124C-47B4-B94D-A0421FD18053}" type="pres">
+      <dgm:prSet presAssocID="{BFBB8CFE-9157-4E9F-A22D-751DE6A0A3D2}" presName="text_5" presStyleLbl="node1" presStyleIdx="4" presStyleCnt="6">
         <dgm:presLayoutVars>
           <dgm:bulletEnabled val="1"/>
         </dgm:presLayoutVars>
@@ -4102,16 +4056,16 @@
         </a:p>
       </dgm:t>
     </dgm:pt>
-    <dgm:pt modelId="{669A14FE-C942-46A2-8B08-1BBF2C3DE298}" type="pres">
-      <dgm:prSet presAssocID="{76F5375F-1239-4158-A608-87D9ED4DF278}" presName="accent_5" presStyleCnt="0"/>
+    <dgm:pt modelId="{9CA21F56-8DD0-4B15-879F-26CEABF39080}" type="pres">
+      <dgm:prSet presAssocID="{BFBB8CFE-9157-4E9F-A22D-751DE6A0A3D2}" presName="accent_5" presStyleCnt="0"/>
       <dgm:spPr/>
     </dgm:pt>
-    <dgm:pt modelId="{A3E89A63-B901-4849-9AC8-2BA30F665AF1}" type="pres">
-      <dgm:prSet presAssocID="{76F5375F-1239-4158-A608-87D9ED4DF278}" presName="accentRepeatNode" presStyleLbl="solidFgAcc1" presStyleIdx="4" presStyleCnt="7"/>
+    <dgm:pt modelId="{F6998E51-831E-4FF7-936A-518A2875D081}" type="pres">
+      <dgm:prSet presAssocID="{BFBB8CFE-9157-4E9F-A22D-751DE6A0A3D2}" presName="accentRepeatNode" presStyleLbl="solidFgAcc1" presStyleIdx="4" presStyleCnt="6"/>
       <dgm:spPr/>
     </dgm:pt>
-    <dgm:pt modelId="{8DC27B8C-E5A0-413D-A4AA-7D94334D0BF1}" type="pres">
-      <dgm:prSet presAssocID="{BFBB8CFE-9157-4E9F-A22D-751DE6A0A3D2}" presName="text_6" presStyleLbl="node1" presStyleIdx="5" presStyleCnt="7">
+    <dgm:pt modelId="{78021907-AE50-4DA4-84E8-5C009494A8AC}" type="pres">
+      <dgm:prSet presAssocID="{957B09A0-4A4E-4904-AE5A-9BB88F50D0BD}" presName="text_6" presStyleLbl="node1" presStyleIdx="5" presStyleCnt="6">
         <dgm:presLayoutVars>
           <dgm:bulletEnabled val="1"/>
         </dgm:presLayoutVars>
@@ -4125,55 +4079,30 @@
         </a:p>
       </dgm:t>
     </dgm:pt>
-    <dgm:pt modelId="{6F4BD079-1CFC-4FC5-9FA6-9B0EB18E0441}" type="pres">
-      <dgm:prSet presAssocID="{BFBB8CFE-9157-4E9F-A22D-751DE6A0A3D2}" presName="accent_6" presStyleCnt="0"/>
-      <dgm:spPr/>
-    </dgm:pt>
-    <dgm:pt modelId="{F6998E51-831E-4FF7-936A-518A2875D081}" type="pres">
-      <dgm:prSet presAssocID="{BFBB8CFE-9157-4E9F-A22D-751DE6A0A3D2}" presName="accentRepeatNode" presStyleLbl="solidFgAcc1" presStyleIdx="5" presStyleCnt="7"/>
-      <dgm:spPr/>
-    </dgm:pt>
-    <dgm:pt modelId="{064D1FF3-9FAA-4C7C-954C-49E54438744E}" type="pres">
-      <dgm:prSet presAssocID="{957B09A0-4A4E-4904-AE5A-9BB88F50D0BD}" presName="text_7" presStyleLbl="node1" presStyleIdx="6" presStyleCnt="7">
-        <dgm:presLayoutVars>
-          <dgm:bulletEnabled val="1"/>
-        </dgm:presLayoutVars>
-      </dgm:prSet>
-      <dgm:spPr/>
-      <dgm:t>
-        <a:bodyPr/>
-        <a:lstStyle/>
-        <a:p>
-          <a:endParaRPr lang="en-US"/>
-        </a:p>
-      </dgm:t>
-    </dgm:pt>
-    <dgm:pt modelId="{E128E44C-5A73-4C99-82D9-CC838D8421BB}" type="pres">
-      <dgm:prSet presAssocID="{957B09A0-4A4E-4904-AE5A-9BB88F50D0BD}" presName="accent_7" presStyleCnt="0"/>
+    <dgm:pt modelId="{329249FB-F836-4F22-9CAA-EFA2329BFE6F}" type="pres">
+      <dgm:prSet presAssocID="{957B09A0-4A4E-4904-AE5A-9BB88F50D0BD}" presName="accent_6" presStyleCnt="0"/>
       <dgm:spPr/>
     </dgm:pt>
     <dgm:pt modelId="{D50DEEA4-9FE4-4937-B4C5-108EFEA3CAE6}" type="pres">
-      <dgm:prSet presAssocID="{957B09A0-4A4E-4904-AE5A-9BB88F50D0BD}" presName="accentRepeatNode" presStyleLbl="solidFgAcc1" presStyleIdx="6" presStyleCnt="7"/>
+      <dgm:prSet presAssocID="{957B09A0-4A4E-4904-AE5A-9BB88F50D0BD}" presName="accentRepeatNode" presStyleLbl="solidFgAcc1" presStyleIdx="5" presStyleCnt="6"/>
       <dgm:spPr/>
     </dgm:pt>
   </dgm:ptLst>
   <dgm:cxnLst>
-    <dgm:cxn modelId="{A96C1DC2-D93D-4A24-804D-19FD01B5B295}" srcId="{C34CCBD5-D359-4F06-A5B2-4580321A8A10}" destId="{E74383C0-205C-4801-A695-86396708BB48}" srcOrd="2" destOrd="0" parTransId="{DAE9170D-E7E6-490A-872A-382B96D96075}" sibTransId="{EF953762-EC38-4644-BFA1-ABB6085F5967}"/>
-    <dgm:cxn modelId="{E1E6F45F-79AE-442C-A5EA-5F5D9DA5012B}" type="presOf" srcId="{76F5375F-1239-4158-A608-87D9ED4DF278}" destId="{9E335180-6E28-4ED0-A243-978597241A38}" srcOrd="0" destOrd="0" presId="urn:microsoft.com/office/officeart/2008/layout/VerticalCurvedList"/>
-    <dgm:cxn modelId="{639529E1-6C84-4E30-AB87-3F1B38368653}" srcId="{C34CCBD5-D359-4F06-A5B2-4580321A8A10}" destId="{E55B2719-257A-4E09-8AD2-1EBECF00128E}" srcOrd="3" destOrd="0" parTransId="{610D50FB-A79C-4162-A54F-02530666BADB}" sibTransId="{71EAC80B-625D-460C-8A2E-5B92AEC0E4E9}"/>
-    <dgm:cxn modelId="{9F2A9092-80F0-41BF-B197-57F709A1A8A1}" type="presOf" srcId="{5BF1AB9D-A220-4A4E-A3F8-78F3155C1854}" destId="{A3104B99-855C-49B4-8069-FCC68D29EB1A}" srcOrd="0" destOrd="0" presId="urn:microsoft.com/office/officeart/2008/layout/VerticalCurvedList"/>
-    <dgm:cxn modelId="{8FC9000D-F187-4739-A207-D1C56A9E1281}" type="presOf" srcId="{E74383C0-205C-4801-A695-86396708BB48}" destId="{EECC6FE4-1328-4BBE-8F10-6779855078EC}" srcOrd="0" destOrd="0" presId="urn:microsoft.com/office/officeart/2008/layout/VerticalCurvedList"/>
-    <dgm:cxn modelId="{412DA6B5-AD6A-410C-8A69-61DE27DE63DF}" type="presOf" srcId="{957B09A0-4A4E-4904-AE5A-9BB88F50D0BD}" destId="{064D1FF3-9FAA-4C7C-954C-49E54438744E}" srcOrd="0" destOrd="0" presId="urn:microsoft.com/office/officeart/2008/layout/VerticalCurvedList"/>
-    <dgm:cxn modelId="{CFF6E0F7-A34D-499A-91C8-8C0FA2571D09}" srcId="{C34CCBD5-D359-4F06-A5B2-4580321A8A10}" destId="{957B09A0-4A4E-4904-AE5A-9BB88F50D0BD}" srcOrd="6" destOrd="0" parTransId="{CE74D915-4F31-4A1D-80A4-6D323398482F}" sibTransId="{4D175316-683C-4F73-8D9D-072A4C73A2B1}"/>
+    <dgm:cxn modelId="{A96C1DC2-D93D-4A24-804D-19FD01B5B295}" srcId="{C34CCBD5-D359-4F06-A5B2-4580321A8A10}" destId="{E74383C0-205C-4801-A695-86396708BB48}" srcOrd="1" destOrd="0" parTransId="{DAE9170D-E7E6-490A-872A-382B96D96075}" sibTransId="{EF953762-EC38-4644-BFA1-ABB6085F5967}"/>
+    <dgm:cxn modelId="{639529E1-6C84-4E30-AB87-3F1B38368653}" srcId="{C34CCBD5-D359-4F06-A5B2-4580321A8A10}" destId="{E55B2719-257A-4E09-8AD2-1EBECF00128E}" srcOrd="2" destOrd="0" parTransId="{610D50FB-A79C-4162-A54F-02530666BADB}" sibTransId="{71EAC80B-625D-460C-8A2E-5B92AEC0E4E9}"/>
+    <dgm:cxn modelId="{BD2A289F-D80C-4AA2-8BEF-477C79E1B002}" type="presOf" srcId="{76F5375F-1239-4158-A608-87D9ED4DF278}" destId="{A4586E35-2BE7-4AB6-BF84-021C9C8AD244}" srcOrd="0" destOrd="0" presId="urn:microsoft.com/office/officeart/2008/layout/VerticalCurvedList"/>
+    <dgm:cxn modelId="{2957A25A-7857-47FC-9CD0-AB4F20F4B48B}" type="presOf" srcId="{E55B2719-257A-4E09-8AD2-1EBECF00128E}" destId="{6D1EBD7B-4810-4AE4-A8E1-70B47C84D995}" srcOrd="0" destOrd="0" presId="urn:microsoft.com/office/officeart/2008/layout/VerticalCurvedList"/>
+    <dgm:cxn modelId="{CFF6E0F7-A34D-499A-91C8-8C0FA2571D09}" srcId="{C34CCBD5-D359-4F06-A5B2-4580321A8A10}" destId="{957B09A0-4A4E-4904-AE5A-9BB88F50D0BD}" srcOrd="5" destOrd="0" parTransId="{CE74D915-4F31-4A1D-80A4-6D323398482F}" sibTransId="{4D175316-683C-4F73-8D9D-072A4C73A2B1}"/>
     <dgm:cxn modelId="{059A8531-FDDD-4303-8AFE-C40C1C11AA88}" type="presOf" srcId="{F31BE1AA-7EEE-4C24-B257-5E9A5022D13C}" destId="{6D34E32F-661A-4618-89FE-A0BF1FF331F3}" srcOrd="0" destOrd="0" presId="urn:microsoft.com/office/officeart/2008/layout/VerticalCurvedList"/>
-    <dgm:cxn modelId="{D7404C93-E293-499B-B746-42B21DF2F207}" srcId="{C34CCBD5-D359-4F06-A5B2-4580321A8A10}" destId="{76F5375F-1239-4158-A608-87D9ED4DF278}" srcOrd="4" destOrd="0" parTransId="{2BDEBEA0-EFB1-4DB5-B0AC-1270D476C4F7}" sibTransId="{050878F3-AC80-4F4A-8A83-A4CB186BF07A}"/>
-    <dgm:cxn modelId="{6FDA6F1A-00CC-421D-A45B-AA62D53D99E4}" srcId="{C34CCBD5-D359-4F06-A5B2-4580321A8A10}" destId="{BFBB8CFE-9157-4E9F-A22D-751DE6A0A3D2}" srcOrd="5" destOrd="0" parTransId="{581C2A35-C358-4BD9-88EC-6A075761111B}" sibTransId="{47A1DFAC-A8BA-43A4-B009-D9DD7FED6226}"/>
+    <dgm:cxn modelId="{D7404C93-E293-499B-B746-42B21DF2F207}" srcId="{C34CCBD5-D359-4F06-A5B2-4580321A8A10}" destId="{76F5375F-1239-4158-A608-87D9ED4DF278}" srcOrd="3" destOrd="0" parTransId="{2BDEBEA0-EFB1-4DB5-B0AC-1270D476C4F7}" sibTransId="{050878F3-AC80-4F4A-8A83-A4CB186BF07A}"/>
+    <dgm:cxn modelId="{6FDA6F1A-00CC-421D-A45B-AA62D53D99E4}" srcId="{C34CCBD5-D359-4F06-A5B2-4580321A8A10}" destId="{BFBB8CFE-9157-4E9F-A22D-751DE6A0A3D2}" srcOrd="4" destOrd="0" parTransId="{581C2A35-C358-4BD9-88EC-6A075761111B}" sibTransId="{47A1DFAC-A8BA-43A4-B009-D9DD7FED6226}"/>
+    <dgm:cxn modelId="{375E3FD0-BC8D-4956-B2A4-ECE0D724BDEA}" type="presOf" srcId="{957B09A0-4A4E-4904-AE5A-9BB88F50D0BD}" destId="{78021907-AE50-4DA4-84E8-5C009494A8AC}" srcOrd="0" destOrd="0" presId="urn:microsoft.com/office/officeart/2008/layout/VerticalCurvedList"/>
     <dgm:cxn modelId="{96ADE303-5794-472A-B9A4-3163F982F409}" srcId="{C34CCBD5-D359-4F06-A5B2-4580321A8A10}" destId="{F31BE1AA-7EEE-4C24-B257-5E9A5022D13C}" srcOrd="0" destOrd="0" parTransId="{A8D57051-D189-40DB-9A42-875C18075A95}" sibTransId="{204D5E8A-57CF-42CC-A56B-B90D5C871990}"/>
     <dgm:cxn modelId="{CE831E67-B143-4FF1-B82E-456AB4870F95}" type="presOf" srcId="{204D5E8A-57CF-42CC-A56B-B90D5C871990}" destId="{B5BCC200-60D7-4900-9A7B-24268C814EEB}" srcOrd="0" destOrd="0" presId="urn:microsoft.com/office/officeart/2008/layout/VerticalCurvedList"/>
-    <dgm:cxn modelId="{4548390C-B343-4C84-8007-67964F8E8B88}" type="presOf" srcId="{BFBB8CFE-9157-4E9F-A22D-751DE6A0A3D2}" destId="{8DC27B8C-E5A0-413D-A4AA-7D94334D0BF1}" srcOrd="0" destOrd="0" presId="urn:microsoft.com/office/officeart/2008/layout/VerticalCurvedList"/>
-    <dgm:cxn modelId="{A882E11D-DEBA-497C-9337-B998B0044D87}" type="presOf" srcId="{E55B2719-257A-4E09-8AD2-1EBECF00128E}" destId="{23DC2D5B-B3C7-486F-9CE2-F99E5043B399}" srcOrd="0" destOrd="0" presId="urn:microsoft.com/office/officeart/2008/layout/VerticalCurvedList"/>
+    <dgm:cxn modelId="{1B89042B-8F0A-49FD-97E6-063FBEAADE22}" type="presOf" srcId="{E74383C0-205C-4801-A695-86396708BB48}" destId="{04ACA96E-5FBB-49BB-89A1-C2CCB2652244}" srcOrd="0" destOrd="0" presId="urn:microsoft.com/office/officeart/2008/layout/VerticalCurvedList"/>
+    <dgm:cxn modelId="{E91DDE5B-33EA-4B7F-8263-C36B2E9D1761}" type="presOf" srcId="{BFBB8CFE-9157-4E9F-A22D-751DE6A0A3D2}" destId="{540EAC31-124C-47B4-B94D-A0421FD18053}" srcOrd="0" destOrd="0" presId="urn:microsoft.com/office/officeart/2008/layout/VerticalCurvedList"/>
     <dgm:cxn modelId="{416BCFCF-419D-4936-86A8-1875E6046F8E}" type="presOf" srcId="{C34CCBD5-D359-4F06-A5B2-4580321A8A10}" destId="{8CC568C2-0185-45C2-8F4E-F985590CEE09}" srcOrd="0" destOrd="0" presId="urn:microsoft.com/office/officeart/2008/layout/VerticalCurvedList"/>
-    <dgm:cxn modelId="{CA88ABF6-8C37-4E17-A28E-A4FF21C5E88E}" srcId="{C34CCBD5-D359-4F06-A5B2-4580321A8A10}" destId="{5BF1AB9D-A220-4A4E-A3F8-78F3155C1854}" srcOrd="1" destOrd="0" parTransId="{D20B3FC1-59C7-4174-8EA7-531D5E431EF6}" sibTransId="{772FB84C-719B-4D8D-AD08-1C8A82B838FD}"/>
     <dgm:cxn modelId="{7AAC037C-553E-4142-8A8B-9BAB70C72E34}" type="presParOf" srcId="{8CC568C2-0185-45C2-8F4E-F985590CEE09}" destId="{70E77ED7-10DC-42FF-AD20-1FAF4C8CEFD6}" srcOrd="0" destOrd="0" presId="urn:microsoft.com/office/officeart/2008/layout/VerticalCurvedList"/>
     <dgm:cxn modelId="{5BDE4C8F-6B1F-4BC8-8730-C7F8C4573F73}" type="presParOf" srcId="{70E77ED7-10DC-42FF-AD20-1FAF4C8CEFD6}" destId="{B106D650-1185-423C-9D72-D7E85AC0DB06}" srcOrd="0" destOrd="0" presId="urn:microsoft.com/office/officeart/2008/layout/VerticalCurvedList"/>
     <dgm:cxn modelId="{0996FF33-3BE9-4DB7-893F-6E2F26433E9E}" type="presParOf" srcId="{B106D650-1185-423C-9D72-D7E85AC0DB06}" destId="{81D10948-8047-4E00-86F7-5ED16C45CAC2}" srcOrd="0" destOrd="0" presId="urn:microsoft.com/office/officeart/2008/layout/VerticalCurvedList"/>
@@ -4183,24 +4112,21 @@
     <dgm:cxn modelId="{B90FEE2E-4162-4AA5-A5B3-2D031ED3D667}" type="presParOf" srcId="{70E77ED7-10DC-42FF-AD20-1FAF4C8CEFD6}" destId="{6D34E32F-661A-4618-89FE-A0BF1FF331F3}" srcOrd="1" destOrd="0" presId="urn:microsoft.com/office/officeart/2008/layout/VerticalCurvedList"/>
     <dgm:cxn modelId="{40B5F2A2-9C53-4C7F-8914-9FCE86EA77E0}" type="presParOf" srcId="{70E77ED7-10DC-42FF-AD20-1FAF4C8CEFD6}" destId="{5B35A1DA-1C73-48D5-A23D-0C12C5D2F295}" srcOrd="2" destOrd="0" presId="urn:microsoft.com/office/officeart/2008/layout/VerticalCurvedList"/>
     <dgm:cxn modelId="{C5846B2B-D914-4537-AF97-9E010DC523DF}" type="presParOf" srcId="{5B35A1DA-1C73-48D5-A23D-0C12C5D2F295}" destId="{4CD4FE62-4259-48ED-9D5C-A489B67DFAF1}" srcOrd="0" destOrd="0" presId="urn:microsoft.com/office/officeart/2008/layout/VerticalCurvedList"/>
-    <dgm:cxn modelId="{E7B75E23-EBAD-4115-8123-B4B6FB550747}" type="presParOf" srcId="{70E77ED7-10DC-42FF-AD20-1FAF4C8CEFD6}" destId="{A3104B99-855C-49B4-8069-FCC68D29EB1A}" srcOrd="3" destOrd="0" presId="urn:microsoft.com/office/officeart/2008/layout/VerticalCurvedList"/>
-    <dgm:cxn modelId="{78FE6AA3-C117-445C-BB95-BF2DDE846639}" type="presParOf" srcId="{70E77ED7-10DC-42FF-AD20-1FAF4C8CEFD6}" destId="{D6B653C4-CF9F-4B49-8BBC-B348D15F6D5D}" srcOrd="4" destOrd="0" presId="urn:microsoft.com/office/officeart/2008/layout/VerticalCurvedList"/>
-    <dgm:cxn modelId="{280E2799-EAA3-44E1-80EC-15256518B321}" type="presParOf" srcId="{D6B653C4-CF9F-4B49-8BBC-B348D15F6D5D}" destId="{35D27AC3-6543-47EC-9D43-F196CF36F3B0}" srcOrd="0" destOrd="0" presId="urn:microsoft.com/office/officeart/2008/layout/VerticalCurvedList"/>
-    <dgm:cxn modelId="{4BBB2B09-7B68-4A38-9943-24B71EE9FFC3}" type="presParOf" srcId="{70E77ED7-10DC-42FF-AD20-1FAF4C8CEFD6}" destId="{EECC6FE4-1328-4BBE-8F10-6779855078EC}" srcOrd="5" destOrd="0" presId="urn:microsoft.com/office/officeart/2008/layout/VerticalCurvedList"/>
-    <dgm:cxn modelId="{E3EDDD09-0D64-40B9-BC34-BD2AF5E6A5C5}" type="presParOf" srcId="{70E77ED7-10DC-42FF-AD20-1FAF4C8CEFD6}" destId="{7CD829F9-C9CC-4330-A3CE-A851F5F6F26C}" srcOrd="6" destOrd="0" presId="urn:microsoft.com/office/officeart/2008/layout/VerticalCurvedList"/>
-    <dgm:cxn modelId="{4BA6CF8A-7F97-452A-A00C-D54C4CA05BBE}" type="presParOf" srcId="{7CD829F9-C9CC-4330-A3CE-A851F5F6F26C}" destId="{814DB13A-998E-4DC4-BD6A-589A139B6B03}" srcOrd="0" destOrd="0" presId="urn:microsoft.com/office/officeart/2008/layout/VerticalCurvedList"/>
-    <dgm:cxn modelId="{028E1663-9E26-4E4C-9A4F-FFD30E353E03}" type="presParOf" srcId="{70E77ED7-10DC-42FF-AD20-1FAF4C8CEFD6}" destId="{23DC2D5B-B3C7-486F-9CE2-F99E5043B399}" srcOrd="7" destOrd="0" presId="urn:microsoft.com/office/officeart/2008/layout/VerticalCurvedList"/>
-    <dgm:cxn modelId="{2741CBEF-0EB4-4956-8BEA-03024D787898}" type="presParOf" srcId="{70E77ED7-10DC-42FF-AD20-1FAF4C8CEFD6}" destId="{39AC9669-EE45-473B-A11E-B23293F293BC}" srcOrd="8" destOrd="0" presId="urn:microsoft.com/office/officeart/2008/layout/VerticalCurvedList"/>
-    <dgm:cxn modelId="{8D2EF59C-1A5A-4198-B26B-2F5899487CE0}" type="presParOf" srcId="{39AC9669-EE45-473B-A11E-B23293F293BC}" destId="{EE20CFA9-0DA5-42D2-A695-B32F0CCCC2C9}" srcOrd="0" destOrd="0" presId="urn:microsoft.com/office/officeart/2008/layout/VerticalCurvedList"/>
-    <dgm:cxn modelId="{069F6856-421A-4BAD-A834-9FEE37AB2B39}" type="presParOf" srcId="{70E77ED7-10DC-42FF-AD20-1FAF4C8CEFD6}" destId="{9E335180-6E28-4ED0-A243-978597241A38}" srcOrd="9" destOrd="0" presId="urn:microsoft.com/office/officeart/2008/layout/VerticalCurvedList"/>
-    <dgm:cxn modelId="{2354734F-66DD-499E-B5BD-E9720A27442C}" type="presParOf" srcId="{70E77ED7-10DC-42FF-AD20-1FAF4C8CEFD6}" destId="{669A14FE-C942-46A2-8B08-1BBF2C3DE298}" srcOrd="10" destOrd="0" presId="urn:microsoft.com/office/officeart/2008/layout/VerticalCurvedList"/>
-    <dgm:cxn modelId="{863A82BB-422F-464A-AA79-8BBC37EBEC93}" type="presParOf" srcId="{669A14FE-C942-46A2-8B08-1BBF2C3DE298}" destId="{A3E89A63-B901-4849-9AC8-2BA30F665AF1}" srcOrd="0" destOrd="0" presId="urn:microsoft.com/office/officeart/2008/layout/VerticalCurvedList"/>
-    <dgm:cxn modelId="{877127DF-5213-46B3-AC04-476BEB4F4F4A}" type="presParOf" srcId="{70E77ED7-10DC-42FF-AD20-1FAF4C8CEFD6}" destId="{8DC27B8C-E5A0-413D-A4AA-7D94334D0BF1}" srcOrd="11" destOrd="0" presId="urn:microsoft.com/office/officeart/2008/layout/VerticalCurvedList"/>
-    <dgm:cxn modelId="{E18FDF8C-74C3-4038-9B69-314577F6C638}" type="presParOf" srcId="{70E77ED7-10DC-42FF-AD20-1FAF4C8CEFD6}" destId="{6F4BD079-1CFC-4FC5-9FA6-9B0EB18E0441}" srcOrd="12" destOrd="0" presId="urn:microsoft.com/office/officeart/2008/layout/VerticalCurvedList"/>
-    <dgm:cxn modelId="{D792FB6A-46D5-485B-BF13-C81C8F3FF110}" type="presParOf" srcId="{6F4BD079-1CFC-4FC5-9FA6-9B0EB18E0441}" destId="{F6998E51-831E-4FF7-936A-518A2875D081}" srcOrd="0" destOrd="0" presId="urn:microsoft.com/office/officeart/2008/layout/VerticalCurvedList"/>
-    <dgm:cxn modelId="{CF7A692C-FD0C-459E-A157-395CB43A607F}" type="presParOf" srcId="{70E77ED7-10DC-42FF-AD20-1FAF4C8CEFD6}" destId="{064D1FF3-9FAA-4C7C-954C-49E54438744E}" srcOrd="13" destOrd="0" presId="urn:microsoft.com/office/officeart/2008/layout/VerticalCurvedList"/>
-    <dgm:cxn modelId="{BC55155A-CE18-4DAE-9956-0948D44362BC}" type="presParOf" srcId="{70E77ED7-10DC-42FF-AD20-1FAF4C8CEFD6}" destId="{E128E44C-5A73-4C99-82D9-CC838D8421BB}" srcOrd="14" destOrd="0" presId="urn:microsoft.com/office/officeart/2008/layout/VerticalCurvedList"/>
-    <dgm:cxn modelId="{1234CEEE-2B1D-48E5-AEDF-DFCFE656AAF7}" type="presParOf" srcId="{E128E44C-5A73-4C99-82D9-CC838D8421BB}" destId="{D50DEEA4-9FE4-4937-B4C5-108EFEA3CAE6}" srcOrd="0" destOrd="0" presId="urn:microsoft.com/office/officeart/2008/layout/VerticalCurvedList"/>
+    <dgm:cxn modelId="{DFCF0B07-69CD-44E4-9506-CBBDF9078225}" type="presParOf" srcId="{70E77ED7-10DC-42FF-AD20-1FAF4C8CEFD6}" destId="{04ACA96E-5FBB-49BB-89A1-C2CCB2652244}" srcOrd="3" destOrd="0" presId="urn:microsoft.com/office/officeart/2008/layout/VerticalCurvedList"/>
+    <dgm:cxn modelId="{83E6E342-384C-4750-AF88-0178EB090A4C}" type="presParOf" srcId="{70E77ED7-10DC-42FF-AD20-1FAF4C8CEFD6}" destId="{583E081D-6345-44C2-9C44-4C85DA22CDFE}" srcOrd="4" destOrd="0" presId="urn:microsoft.com/office/officeart/2008/layout/VerticalCurvedList"/>
+    <dgm:cxn modelId="{4B9A23C4-294E-4116-AC8A-F93A94A720C1}" type="presParOf" srcId="{583E081D-6345-44C2-9C44-4C85DA22CDFE}" destId="{814DB13A-998E-4DC4-BD6A-589A139B6B03}" srcOrd="0" destOrd="0" presId="urn:microsoft.com/office/officeart/2008/layout/VerticalCurvedList"/>
+    <dgm:cxn modelId="{4E44D652-388A-450F-A0A1-8249E74693A3}" type="presParOf" srcId="{70E77ED7-10DC-42FF-AD20-1FAF4C8CEFD6}" destId="{6D1EBD7B-4810-4AE4-A8E1-70B47C84D995}" srcOrd="5" destOrd="0" presId="urn:microsoft.com/office/officeart/2008/layout/VerticalCurvedList"/>
+    <dgm:cxn modelId="{2BDFEFF0-E2C5-4692-B443-46EF560773E2}" type="presParOf" srcId="{70E77ED7-10DC-42FF-AD20-1FAF4C8CEFD6}" destId="{E1E86660-B30E-4209-9C1E-E19554F25E4E}" srcOrd="6" destOrd="0" presId="urn:microsoft.com/office/officeart/2008/layout/VerticalCurvedList"/>
+    <dgm:cxn modelId="{09E1570F-8157-4E90-BF47-8CA0FA54E9F9}" type="presParOf" srcId="{E1E86660-B30E-4209-9C1E-E19554F25E4E}" destId="{EE20CFA9-0DA5-42D2-A695-B32F0CCCC2C9}" srcOrd="0" destOrd="0" presId="urn:microsoft.com/office/officeart/2008/layout/VerticalCurvedList"/>
+    <dgm:cxn modelId="{E4F34865-39D8-428B-A01D-BA8C0015237E}" type="presParOf" srcId="{70E77ED7-10DC-42FF-AD20-1FAF4C8CEFD6}" destId="{A4586E35-2BE7-4AB6-BF84-021C9C8AD244}" srcOrd="7" destOrd="0" presId="urn:microsoft.com/office/officeart/2008/layout/VerticalCurvedList"/>
+    <dgm:cxn modelId="{60D4545C-3639-4E0C-860B-4873FD83CE81}" type="presParOf" srcId="{70E77ED7-10DC-42FF-AD20-1FAF4C8CEFD6}" destId="{63E52DF8-F0C6-4B4A-8E21-00B9FE875A1C}" srcOrd="8" destOrd="0" presId="urn:microsoft.com/office/officeart/2008/layout/VerticalCurvedList"/>
+    <dgm:cxn modelId="{3E208A18-41BC-42FB-9841-ACC6A9924A56}" type="presParOf" srcId="{63E52DF8-F0C6-4B4A-8E21-00B9FE875A1C}" destId="{A3E89A63-B901-4849-9AC8-2BA30F665AF1}" srcOrd="0" destOrd="0" presId="urn:microsoft.com/office/officeart/2008/layout/VerticalCurvedList"/>
+    <dgm:cxn modelId="{EBE1F9C1-29D5-4091-B378-90B886E0E64B}" type="presParOf" srcId="{70E77ED7-10DC-42FF-AD20-1FAF4C8CEFD6}" destId="{540EAC31-124C-47B4-B94D-A0421FD18053}" srcOrd="9" destOrd="0" presId="urn:microsoft.com/office/officeart/2008/layout/VerticalCurvedList"/>
+    <dgm:cxn modelId="{84EF635E-A802-424E-A682-BCBF380F24C5}" type="presParOf" srcId="{70E77ED7-10DC-42FF-AD20-1FAF4C8CEFD6}" destId="{9CA21F56-8DD0-4B15-879F-26CEABF39080}" srcOrd="10" destOrd="0" presId="urn:microsoft.com/office/officeart/2008/layout/VerticalCurvedList"/>
+    <dgm:cxn modelId="{63BD5532-A9F0-4F31-AF63-B8D3DFD8353E}" type="presParOf" srcId="{9CA21F56-8DD0-4B15-879F-26CEABF39080}" destId="{F6998E51-831E-4FF7-936A-518A2875D081}" srcOrd="0" destOrd="0" presId="urn:microsoft.com/office/officeart/2008/layout/VerticalCurvedList"/>
+    <dgm:cxn modelId="{DE01B428-89A9-4EBC-93F3-E39427816720}" type="presParOf" srcId="{70E77ED7-10DC-42FF-AD20-1FAF4C8CEFD6}" destId="{78021907-AE50-4DA4-84E8-5C009494A8AC}" srcOrd="11" destOrd="0" presId="urn:microsoft.com/office/officeart/2008/layout/VerticalCurvedList"/>
+    <dgm:cxn modelId="{76F3C656-35C3-4C19-B89A-28C5F682B8FC}" type="presParOf" srcId="{70E77ED7-10DC-42FF-AD20-1FAF4C8CEFD6}" destId="{329249FB-F836-4F22-9CAA-EFA2329BFE6F}" srcOrd="12" destOrd="0" presId="urn:microsoft.com/office/officeart/2008/layout/VerticalCurvedList"/>
+    <dgm:cxn modelId="{152B0B77-A77A-48F1-8ABD-82E0FDFE86A5}" type="presParOf" srcId="{329249FB-F836-4F22-9CAA-EFA2329BFE6F}" destId="{D50DEEA4-9FE4-4937-B4C5-108EFEA3CAE6}" srcOrd="0" destOrd="0" presId="urn:microsoft.com/office/officeart/2008/layout/VerticalCurvedList"/>
   </dgm:cxnLst>
   <dgm:bg/>
   <dgm:whole/>
@@ -4581,33 +4507,33 @@
     </dgm:pt>
   </dgm:ptLst>
   <dgm:cxnLst>
-    <dgm:cxn modelId="{59F79C26-EE43-4C2B-ACCA-3166A3679297}" type="presOf" srcId="{261BB819-3E9A-4554-9B4C-22EB643114E3}" destId="{187C6956-143C-47D8-A39D-6B598621A5DA}" srcOrd="0" destOrd="0" presId="urn:microsoft.com/office/officeart/2005/8/layout/pList1"/>
-    <dgm:cxn modelId="{A82BEA0B-287B-411F-A966-6F4F543EDB7B}" type="presOf" srcId="{0F39D0A9-867D-45C6-A3EE-B1D7599D7259}" destId="{937B735E-E19D-454F-8B0F-8811B9BF27A1}" srcOrd="0" destOrd="0" presId="urn:microsoft.com/office/officeart/2005/8/layout/pList1"/>
-    <dgm:cxn modelId="{2CE0A305-A043-4400-9D1F-F5F8DD65A864}" type="presOf" srcId="{1027CA06-C869-4AC2-82BB-D2431DBA93A9}" destId="{EFA395D9-DAC9-4DBC-9700-CD1D30DAEBCA}" srcOrd="0" destOrd="0" presId="urn:microsoft.com/office/officeart/2005/8/layout/pList1"/>
+    <dgm:cxn modelId="{40994222-B8F5-4A1C-9951-8F9A6283E024}" type="presOf" srcId="{131ADA8E-682F-4521-B238-7B43298F94DB}" destId="{5DB9150D-27C5-4778-9EE1-1EBF7E94C0B2}" srcOrd="0" destOrd="0" presId="urn:microsoft.com/office/officeart/2005/8/layout/pList1"/>
     <dgm:cxn modelId="{175298FF-7E58-44AC-9AF4-6F8F0006A8C8}" srcId="{CD24A54C-9A2D-4461-B4ED-DB07A1DF400E}" destId="{1027CA06-C869-4AC2-82BB-D2431DBA93A9}" srcOrd="1" destOrd="0" parTransId="{DF19D294-2701-49F9-AC3B-F5C6F32FB512}" sibTransId="{C56EDCCC-B488-45AD-903B-A23FABCF550E}"/>
-    <dgm:cxn modelId="{2C8F45E4-D4FA-4AD9-BF58-149D8B3453A8}" type="presOf" srcId="{C56EDCCC-B488-45AD-903B-A23FABCF550E}" destId="{7018EBF4-3588-4686-A9BD-8F739CCCD4AD}" srcOrd="0" destOrd="0" presId="urn:microsoft.com/office/officeart/2005/8/layout/pList1"/>
+    <dgm:cxn modelId="{335B6223-25D3-4077-8905-C02CB38FB153}" type="presOf" srcId="{261BB819-3E9A-4554-9B4C-22EB643114E3}" destId="{187C6956-143C-47D8-A39D-6B598621A5DA}" srcOrd="0" destOrd="0" presId="urn:microsoft.com/office/officeart/2005/8/layout/pList1"/>
     <dgm:cxn modelId="{441F7311-3E16-4C82-B72E-5FB70258C06E}" srcId="{CD24A54C-9A2D-4461-B4ED-DB07A1DF400E}" destId="{261BB819-3E9A-4554-9B4C-22EB643114E3}" srcOrd="3" destOrd="0" parTransId="{AC1611A9-99BF-4F02-A097-FF91AA8BB151}" sibTransId="{32C52D12-2ECA-4277-9DEF-7B63213F4D19}"/>
     <dgm:cxn modelId="{83AF2CEC-A446-4D80-8ABD-1956873AEF71}" srcId="{CD24A54C-9A2D-4461-B4ED-DB07A1DF400E}" destId="{0F39D0A9-867D-45C6-A3EE-B1D7599D7259}" srcOrd="0" destOrd="0" parTransId="{A088C478-C5EE-4CEF-97E9-142F0CE3F502}" sibTransId="{05E60817-EFBA-4CC3-8B8F-0ECECFB367D9}"/>
-    <dgm:cxn modelId="{1B3799F9-EB2B-4EC3-8412-9E5482723620}" type="presOf" srcId="{CD24A54C-9A2D-4461-B4ED-DB07A1DF400E}" destId="{EDDE1776-3C43-45C0-AFFF-2BE66953306B}" srcOrd="0" destOrd="0" presId="urn:microsoft.com/office/officeart/2005/8/layout/pList1"/>
-    <dgm:cxn modelId="{1BA0DB5B-99EF-48D6-A593-F1612686A8DC}" type="presOf" srcId="{B854BF0E-8186-4A1D-82F5-FCBE21864E2C}" destId="{413484C7-CF82-4E43-86D6-4A2EDC9C3557}" srcOrd="0" destOrd="0" presId="urn:microsoft.com/office/officeart/2005/8/layout/pList1"/>
-    <dgm:cxn modelId="{625244F2-4B16-470F-B579-A91562A6CABC}" type="presOf" srcId="{131ADA8E-682F-4521-B238-7B43298F94DB}" destId="{5DB9150D-27C5-4778-9EE1-1EBF7E94C0B2}" srcOrd="0" destOrd="0" presId="urn:microsoft.com/office/officeart/2005/8/layout/pList1"/>
+    <dgm:cxn modelId="{7D4AF259-7730-4273-9786-CDF096ACC656}" type="presOf" srcId="{05E60817-EFBA-4CC3-8B8F-0ECECFB367D9}" destId="{C632C227-C807-4180-903E-236519F6CDD7}" srcOrd="0" destOrd="0" presId="urn:microsoft.com/office/officeart/2005/8/layout/pList1"/>
+    <dgm:cxn modelId="{AB971941-AB83-41C3-AFB0-EA038F544B3A}" type="presOf" srcId="{1027CA06-C869-4AC2-82BB-D2431DBA93A9}" destId="{EFA395D9-DAC9-4DBC-9700-CD1D30DAEBCA}" srcOrd="0" destOrd="0" presId="urn:microsoft.com/office/officeart/2005/8/layout/pList1"/>
+    <dgm:cxn modelId="{B1428D80-CE6F-4EEE-8231-8A3A9807726B}" type="presOf" srcId="{B854BF0E-8186-4A1D-82F5-FCBE21864E2C}" destId="{413484C7-CF82-4E43-86D6-4A2EDC9C3557}" srcOrd="0" destOrd="0" presId="urn:microsoft.com/office/officeart/2005/8/layout/pList1"/>
+    <dgm:cxn modelId="{0395724E-04B1-498D-92E5-0A500AFADD5D}" type="presOf" srcId="{0F39D0A9-867D-45C6-A3EE-B1D7599D7259}" destId="{937B735E-E19D-454F-8B0F-8811B9BF27A1}" srcOrd="0" destOrd="0" presId="urn:microsoft.com/office/officeart/2005/8/layout/pList1"/>
+    <dgm:cxn modelId="{B77A64B3-18C8-4C08-B8CD-494DCBD74E3C}" type="presOf" srcId="{CD24A54C-9A2D-4461-B4ED-DB07A1DF400E}" destId="{EDDE1776-3C43-45C0-AFFF-2BE66953306B}" srcOrd="0" destOrd="0" presId="urn:microsoft.com/office/officeart/2005/8/layout/pList1"/>
     <dgm:cxn modelId="{03C0283E-B5B7-4F94-B159-1BE3C14FF69D}" srcId="{CD24A54C-9A2D-4461-B4ED-DB07A1DF400E}" destId="{B854BF0E-8186-4A1D-82F5-FCBE21864E2C}" srcOrd="2" destOrd="0" parTransId="{718318BE-7467-4374-9E6A-B62BBA5FCD0A}" sibTransId="{131ADA8E-682F-4521-B238-7B43298F94DB}"/>
-    <dgm:cxn modelId="{BC822396-8AF7-4331-B5CD-A144B1150B37}" type="presOf" srcId="{05E60817-EFBA-4CC3-8B8F-0ECECFB367D9}" destId="{C632C227-C807-4180-903E-236519F6CDD7}" srcOrd="0" destOrd="0" presId="urn:microsoft.com/office/officeart/2005/8/layout/pList1"/>
-    <dgm:cxn modelId="{0CFC5AC4-2DF2-4162-82F9-BF8ED379E299}" type="presParOf" srcId="{EDDE1776-3C43-45C0-AFFF-2BE66953306B}" destId="{6E700440-355F-490D-B0EB-CF017ED41C01}" srcOrd="0" destOrd="0" presId="urn:microsoft.com/office/officeart/2005/8/layout/pList1"/>
-    <dgm:cxn modelId="{FB44C92B-C6D2-47D0-89B8-F0CE76A52D84}" type="presParOf" srcId="{6E700440-355F-490D-B0EB-CF017ED41C01}" destId="{EEF51702-864D-4C77-A34E-907E56444CA3}" srcOrd="0" destOrd="0" presId="urn:microsoft.com/office/officeart/2005/8/layout/pList1"/>
-    <dgm:cxn modelId="{048EC41F-E2AB-46B5-B317-56656F250884}" type="presParOf" srcId="{6E700440-355F-490D-B0EB-CF017ED41C01}" destId="{937B735E-E19D-454F-8B0F-8811B9BF27A1}" srcOrd="1" destOrd="0" presId="urn:microsoft.com/office/officeart/2005/8/layout/pList1"/>
-    <dgm:cxn modelId="{551245D2-4B01-44AF-95EA-D426DECA9BA4}" type="presParOf" srcId="{EDDE1776-3C43-45C0-AFFF-2BE66953306B}" destId="{C632C227-C807-4180-903E-236519F6CDD7}" srcOrd="1" destOrd="0" presId="urn:microsoft.com/office/officeart/2005/8/layout/pList1"/>
-    <dgm:cxn modelId="{089AED60-6362-4C0A-81D5-7F025C591AB7}" type="presParOf" srcId="{EDDE1776-3C43-45C0-AFFF-2BE66953306B}" destId="{040481FA-D387-43CB-A3F8-BF767FA94A9F}" srcOrd="2" destOrd="0" presId="urn:microsoft.com/office/officeart/2005/8/layout/pList1"/>
-    <dgm:cxn modelId="{D3D98209-925F-47A4-BB6E-8F11F1A29719}" type="presParOf" srcId="{040481FA-D387-43CB-A3F8-BF767FA94A9F}" destId="{4AEC347F-63D0-461D-BB55-83E9C562A291}" srcOrd="0" destOrd="0" presId="urn:microsoft.com/office/officeart/2005/8/layout/pList1"/>
-    <dgm:cxn modelId="{4E90874C-10B2-43C4-A4C5-DF64CB002732}" type="presParOf" srcId="{040481FA-D387-43CB-A3F8-BF767FA94A9F}" destId="{EFA395D9-DAC9-4DBC-9700-CD1D30DAEBCA}" srcOrd="1" destOrd="0" presId="urn:microsoft.com/office/officeart/2005/8/layout/pList1"/>
-    <dgm:cxn modelId="{629C431A-5F70-47B5-8568-66A6E7B47581}" type="presParOf" srcId="{EDDE1776-3C43-45C0-AFFF-2BE66953306B}" destId="{7018EBF4-3588-4686-A9BD-8F739CCCD4AD}" srcOrd="3" destOrd="0" presId="urn:microsoft.com/office/officeart/2005/8/layout/pList1"/>
-    <dgm:cxn modelId="{B8F0E9B3-272D-4388-A287-D44E45A6A86E}" type="presParOf" srcId="{EDDE1776-3C43-45C0-AFFF-2BE66953306B}" destId="{BA5BBCAC-27E5-42D6-BBD7-7C6524D43BC4}" srcOrd="4" destOrd="0" presId="urn:microsoft.com/office/officeart/2005/8/layout/pList1"/>
-    <dgm:cxn modelId="{3F0E771A-840A-4939-9C68-12FDA95297A5}" type="presParOf" srcId="{BA5BBCAC-27E5-42D6-BBD7-7C6524D43BC4}" destId="{F20742AD-0F9F-4864-8B4D-74AED66FE7E8}" srcOrd="0" destOrd="0" presId="urn:microsoft.com/office/officeart/2005/8/layout/pList1"/>
-    <dgm:cxn modelId="{AE4DB5BD-AF4D-4722-AD3B-DC3416A31DDD}" type="presParOf" srcId="{BA5BBCAC-27E5-42D6-BBD7-7C6524D43BC4}" destId="{413484C7-CF82-4E43-86D6-4A2EDC9C3557}" srcOrd="1" destOrd="0" presId="urn:microsoft.com/office/officeart/2005/8/layout/pList1"/>
-    <dgm:cxn modelId="{FE75D865-A35D-45FC-8612-0B28AC91B9FD}" type="presParOf" srcId="{EDDE1776-3C43-45C0-AFFF-2BE66953306B}" destId="{5DB9150D-27C5-4778-9EE1-1EBF7E94C0B2}" srcOrd="5" destOrd="0" presId="urn:microsoft.com/office/officeart/2005/8/layout/pList1"/>
-    <dgm:cxn modelId="{D22E3945-A3EB-40E6-B2A3-490B1B67773F}" type="presParOf" srcId="{EDDE1776-3C43-45C0-AFFF-2BE66953306B}" destId="{740EE94D-5974-4A33-B3C3-AF74EED08481}" srcOrd="6" destOrd="0" presId="urn:microsoft.com/office/officeart/2005/8/layout/pList1"/>
-    <dgm:cxn modelId="{2B36A9C6-D107-4C86-94B3-A400A2F5AD4D}" type="presParOf" srcId="{740EE94D-5974-4A33-B3C3-AF74EED08481}" destId="{F022E9FD-AD84-44E7-BEE8-003BE2B2A367}" srcOrd="0" destOrd="0" presId="urn:microsoft.com/office/officeart/2005/8/layout/pList1"/>
-    <dgm:cxn modelId="{40B30BEC-62B8-4D93-8B54-8B0A09D06382}" type="presParOf" srcId="{740EE94D-5974-4A33-B3C3-AF74EED08481}" destId="{187C6956-143C-47D8-A39D-6B598621A5DA}" srcOrd="1" destOrd="0" presId="urn:microsoft.com/office/officeart/2005/8/layout/pList1"/>
+    <dgm:cxn modelId="{5907F995-192E-47A2-9162-FA4C08BECB80}" type="presOf" srcId="{C56EDCCC-B488-45AD-903B-A23FABCF550E}" destId="{7018EBF4-3588-4686-A9BD-8F739CCCD4AD}" srcOrd="0" destOrd="0" presId="urn:microsoft.com/office/officeart/2005/8/layout/pList1"/>
+    <dgm:cxn modelId="{1C071143-7140-44DD-84E1-F09B428EA2DC}" type="presParOf" srcId="{EDDE1776-3C43-45C0-AFFF-2BE66953306B}" destId="{6E700440-355F-490D-B0EB-CF017ED41C01}" srcOrd="0" destOrd="0" presId="urn:microsoft.com/office/officeart/2005/8/layout/pList1"/>
+    <dgm:cxn modelId="{7E5CCD59-D382-4F94-A315-EDEDC79943AF}" type="presParOf" srcId="{6E700440-355F-490D-B0EB-CF017ED41C01}" destId="{EEF51702-864D-4C77-A34E-907E56444CA3}" srcOrd="0" destOrd="0" presId="urn:microsoft.com/office/officeart/2005/8/layout/pList1"/>
+    <dgm:cxn modelId="{5EB6F603-A259-4739-8DB1-F4408B0AF24C}" type="presParOf" srcId="{6E700440-355F-490D-B0EB-CF017ED41C01}" destId="{937B735E-E19D-454F-8B0F-8811B9BF27A1}" srcOrd="1" destOrd="0" presId="urn:microsoft.com/office/officeart/2005/8/layout/pList1"/>
+    <dgm:cxn modelId="{D0A6B5A5-B727-4100-A50D-A4EAE2E176B2}" type="presParOf" srcId="{EDDE1776-3C43-45C0-AFFF-2BE66953306B}" destId="{C632C227-C807-4180-903E-236519F6CDD7}" srcOrd="1" destOrd="0" presId="urn:microsoft.com/office/officeart/2005/8/layout/pList1"/>
+    <dgm:cxn modelId="{E013060F-3B5A-4327-84A9-D6000F2DD0AA}" type="presParOf" srcId="{EDDE1776-3C43-45C0-AFFF-2BE66953306B}" destId="{040481FA-D387-43CB-A3F8-BF767FA94A9F}" srcOrd="2" destOrd="0" presId="urn:microsoft.com/office/officeart/2005/8/layout/pList1"/>
+    <dgm:cxn modelId="{6E86B961-B8CB-442D-BBF9-BF9F99D2707A}" type="presParOf" srcId="{040481FA-D387-43CB-A3F8-BF767FA94A9F}" destId="{4AEC347F-63D0-461D-BB55-83E9C562A291}" srcOrd="0" destOrd="0" presId="urn:microsoft.com/office/officeart/2005/8/layout/pList1"/>
+    <dgm:cxn modelId="{31CE4EBB-9D5B-4127-BC10-E25E8FF028CD}" type="presParOf" srcId="{040481FA-D387-43CB-A3F8-BF767FA94A9F}" destId="{EFA395D9-DAC9-4DBC-9700-CD1D30DAEBCA}" srcOrd="1" destOrd="0" presId="urn:microsoft.com/office/officeart/2005/8/layout/pList1"/>
+    <dgm:cxn modelId="{0770C16B-1900-4C34-8E84-D38689BCFF97}" type="presParOf" srcId="{EDDE1776-3C43-45C0-AFFF-2BE66953306B}" destId="{7018EBF4-3588-4686-A9BD-8F739CCCD4AD}" srcOrd="3" destOrd="0" presId="urn:microsoft.com/office/officeart/2005/8/layout/pList1"/>
+    <dgm:cxn modelId="{EA607A68-0E2A-43FF-8618-2DE0FCC0C1B5}" type="presParOf" srcId="{EDDE1776-3C43-45C0-AFFF-2BE66953306B}" destId="{BA5BBCAC-27E5-42D6-BBD7-7C6524D43BC4}" srcOrd="4" destOrd="0" presId="urn:microsoft.com/office/officeart/2005/8/layout/pList1"/>
+    <dgm:cxn modelId="{20C0CF2C-A1D1-40D9-9606-AD59623B56A3}" type="presParOf" srcId="{BA5BBCAC-27E5-42D6-BBD7-7C6524D43BC4}" destId="{F20742AD-0F9F-4864-8B4D-74AED66FE7E8}" srcOrd="0" destOrd="0" presId="urn:microsoft.com/office/officeart/2005/8/layout/pList1"/>
+    <dgm:cxn modelId="{4B5D0395-8519-44ED-B4A3-71D0BEF590BB}" type="presParOf" srcId="{BA5BBCAC-27E5-42D6-BBD7-7C6524D43BC4}" destId="{413484C7-CF82-4E43-86D6-4A2EDC9C3557}" srcOrd="1" destOrd="0" presId="urn:microsoft.com/office/officeart/2005/8/layout/pList1"/>
+    <dgm:cxn modelId="{BE95EB73-6310-4CB2-A0D1-CBF74962916D}" type="presParOf" srcId="{EDDE1776-3C43-45C0-AFFF-2BE66953306B}" destId="{5DB9150D-27C5-4778-9EE1-1EBF7E94C0B2}" srcOrd="5" destOrd="0" presId="urn:microsoft.com/office/officeart/2005/8/layout/pList1"/>
+    <dgm:cxn modelId="{6061965C-483C-4302-AE7C-94850B569B3A}" type="presParOf" srcId="{EDDE1776-3C43-45C0-AFFF-2BE66953306B}" destId="{740EE94D-5974-4A33-B3C3-AF74EED08481}" srcOrd="6" destOrd="0" presId="urn:microsoft.com/office/officeart/2005/8/layout/pList1"/>
+    <dgm:cxn modelId="{294B4611-ABB1-4EAB-B573-C94A53BC8AB4}" type="presParOf" srcId="{740EE94D-5974-4A33-B3C3-AF74EED08481}" destId="{F022E9FD-AD84-44E7-BEE8-003BE2B2A367}" srcOrd="0" destOrd="0" presId="urn:microsoft.com/office/officeart/2005/8/layout/pList1"/>
+    <dgm:cxn modelId="{98131B5A-8624-4792-BF85-3E22F83BD7E7}" type="presParOf" srcId="{740EE94D-5974-4A33-B3C3-AF74EED08481}" destId="{187C6956-143C-47D8-A39D-6B598621A5DA}" srcOrd="1" destOrd="0" presId="urn:microsoft.com/office/officeart/2005/8/layout/pList1"/>
   </dgm:cxnLst>
   <dgm:bg/>
   <dgm:whole/>
@@ -5764,7 +5690,7 @@
       </dsp:nvSpPr>
       <dsp:spPr>
         <a:xfrm>
-          <a:off x="-4960801" y="-760383"/>
+          <a:off x="-4962529" y="-760383"/>
           <a:ext cx="5910203" cy="5910203"/>
         </a:xfrm>
         <a:prstGeom prst="blockArc">
@@ -5809,8 +5735,8 @@
       </dsp:nvSpPr>
       <dsp:spPr>
         <a:xfrm>
-          <a:off x="307919" y="199543"/>
-          <a:ext cx="7863082" cy="398912"/>
+          <a:off x="353597" y="231147"/>
+          <a:ext cx="7815676" cy="462119"/>
         </a:xfrm>
         <a:prstGeom prst="rect">
           <a:avLst/>
@@ -5851,7 +5777,7 @@
         </a:fontRef>
       </dsp:style>
       <dsp:txBody>
-        <a:bodyPr spcFirstLastPara="0" vert="horz" wrap="square" lIns="316636" tIns="60960" rIns="60960" bIns="60960" numCol="1" spcCol="1270" anchor="ctr" anchorCtr="0">
+        <a:bodyPr spcFirstLastPara="0" vert="horz" wrap="square" lIns="366808" tIns="60960" rIns="60960" bIns="60960" numCol="1" spcCol="1270" anchor="ctr" anchorCtr="0">
           <a:noAutofit/>
         </a:bodyPr>
         <a:lstStyle/>
@@ -5875,8 +5801,8 @@
         </a:p>
       </dsp:txBody>
       <dsp:txXfrm>
-        <a:off x="307919" y="199543"/>
-        <a:ext cx="7863082" cy="398912"/>
+        <a:off x="353597" y="231147"/>
+        <a:ext cx="7815676" cy="462119"/>
       </dsp:txXfrm>
     </dsp:sp>
     <dsp:sp modelId="{4CD4FE62-4259-48ED-9D5C-A489B67DFAF1}">
@@ -5886,8 +5812,8 @@
       </dsp:nvSpPr>
       <dsp:spPr>
         <a:xfrm>
-          <a:off x="58598" y="149679"/>
-          <a:ext cx="498640" cy="498640"/>
+          <a:off x="64772" y="173382"/>
+          <a:ext cx="577649" cy="577649"/>
         </a:xfrm>
         <a:prstGeom prst="ellipse">
           <a:avLst/>
@@ -5926,15 +5852,15 @@
         <a:fontRef idx="minor"/>
       </dsp:style>
     </dsp:sp>
-    <dsp:sp modelId="{A3104B99-855C-49B4-8069-FCC68D29EB1A}">
+    <dsp:sp modelId="{04ACA96E-5FBB-49BB-89A1-C2CCB2652244}">
       <dsp:nvSpPr>
         <dsp:cNvPr id="0" name=""/>
         <dsp:cNvSpPr/>
       </dsp:nvSpPr>
       <dsp:spPr>
         <a:xfrm>
-          <a:off x="669169" y="798263"/>
-          <a:ext cx="7501831" cy="398912"/>
+          <a:off x="733722" y="924239"/>
+          <a:ext cx="7435550" cy="462119"/>
         </a:xfrm>
         <a:prstGeom prst="rect">
           <a:avLst/>
@@ -5975,7 +5901,7 @@
         </a:fontRef>
       </dsp:style>
       <dsp:txBody>
-        <a:bodyPr spcFirstLastPara="0" vert="horz" wrap="square" lIns="316636" tIns="60960" rIns="60960" bIns="60960" numCol="1" spcCol="1270" anchor="ctr" anchorCtr="0">
+        <a:bodyPr spcFirstLastPara="0" vert="horz" wrap="square" lIns="366808" tIns="60960" rIns="60960" bIns="60960" numCol="1" spcCol="1270" anchor="ctr" anchorCtr="0">
           <a:noAutofit/>
         </a:bodyPr>
         <a:lstStyle/>
@@ -5993,25 +5919,25 @@
           </a:pPr>
           <a:r>
             <a:rPr lang="en-US" sz="2400" kern="1200" dirty="0" smtClean="0"/>
-            <a:t>Advantages &amp; disadvantages of current scenario</a:t>
+            <a:t>Propose solution</a:t>
           </a:r>
           <a:endParaRPr lang="en-US" sz="2400" kern="1200" dirty="0"/>
         </a:p>
       </dsp:txBody>
       <dsp:txXfrm>
-        <a:off x="669169" y="798263"/>
-        <a:ext cx="7501831" cy="398912"/>
+        <a:off x="733722" y="924239"/>
+        <a:ext cx="7435550" cy="462119"/>
       </dsp:txXfrm>
     </dsp:sp>
-    <dsp:sp modelId="{35D27AC3-6543-47EC-9D43-F196CF36F3B0}">
+    <dsp:sp modelId="{814DB13A-998E-4DC4-BD6A-589A139B6B03}">
       <dsp:nvSpPr>
         <dsp:cNvPr id="0" name=""/>
         <dsp:cNvSpPr/>
       </dsp:nvSpPr>
       <dsp:spPr>
         <a:xfrm>
-          <a:off x="419849" y="748399"/>
-          <a:ext cx="498640" cy="498640"/>
+          <a:off x="444897" y="866474"/>
+          <a:ext cx="577649" cy="577649"/>
         </a:xfrm>
         <a:prstGeom prst="ellipse">
           <a:avLst/>
@@ -6050,15 +5976,15 @@
         <a:fontRef idx="minor"/>
       </dsp:style>
     </dsp:sp>
-    <dsp:sp modelId="{EECC6FE4-1328-4BBE-8F10-6779855078EC}">
+    <dsp:sp modelId="{6D1EBD7B-4810-4AE4-A8E1-70B47C84D995}">
       <dsp:nvSpPr>
         <dsp:cNvPr id="0" name=""/>
         <dsp:cNvSpPr/>
       </dsp:nvSpPr>
       <dsp:spPr>
         <a:xfrm>
-          <a:off x="867133" y="1396543"/>
-          <a:ext cx="7303867" cy="398912"/>
+          <a:off x="907544" y="1617331"/>
+          <a:ext cx="7261729" cy="462119"/>
         </a:xfrm>
         <a:prstGeom prst="rect">
           <a:avLst/>
@@ -6099,7 +6025,7 @@
         </a:fontRef>
       </dsp:style>
       <dsp:txBody>
-        <a:bodyPr spcFirstLastPara="0" vert="horz" wrap="square" lIns="316636" tIns="60960" rIns="60960" bIns="60960" numCol="1" spcCol="1270" anchor="ctr" anchorCtr="0">
+        <a:bodyPr spcFirstLastPara="0" vert="horz" wrap="square" lIns="366808" tIns="60960" rIns="60960" bIns="60960" numCol="1" spcCol="1270" anchor="ctr" anchorCtr="0">
           <a:noAutofit/>
         </a:bodyPr>
         <a:lstStyle/>
@@ -6117,25 +6043,25 @@
           </a:pPr>
           <a:r>
             <a:rPr lang="en-US" sz="2400" kern="1200" dirty="0" smtClean="0"/>
-            <a:t>Propose solution</a:t>
+            <a:t>Technology &amp; development environment</a:t>
           </a:r>
           <a:endParaRPr lang="en-US" sz="2400" kern="1200" dirty="0"/>
         </a:p>
       </dsp:txBody>
       <dsp:txXfrm>
-        <a:off x="867133" y="1396543"/>
-        <a:ext cx="7303867" cy="398912"/>
+        <a:off x="907544" y="1617331"/>
+        <a:ext cx="7261729" cy="462119"/>
       </dsp:txXfrm>
     </dsp:sp>
-    <dsp:sp modelId="{814DB13A-998E-4DC4-BD6A-589A139B6B03}">
+    <dsp:sp modelId="{EE20CFA9-0DA5-42D2-A695-B32F0CCCC2C9}">
       <dsp:nvSpPr>
         <dsp:cNvPr id="0" name=""/>
         <dsp:cNvSpPr/>
       </dsp:nvSpPr>
       <dsp:spPr>
         <a:xfrm>
-          <a:off x="617813" y="1346679"/>
-          <a:ext cx="498640" cy="498640"/>
+          <a:off x="618719" y="1559566"/>
+          <a:ext cx="577649" cy="577649"/>
         </a:xfrm>
         <a:prstGeom prst="ellipse">
           <a:avLst/>
@@ -6174,15 +6100,15 @@
         <a:fontRef idx="minor"/>
       </dsp:style>
     </dsp:sp>
-    <dsp:sp modelId="{23DC2D5B-B3C7-486F-9CE2-F99E5043B399}">
+    <dsp:sp modelId="{A4586E35-2BE7-4AB6-BF84-021C9C8AD244}">
       <dsp:nvSpPr>
         <dsp:cNvPr id="0" name=""/>
         <dsp:cNvSpPr/>
       </dsp:nvSpPr>
       <dsp:spPr>
         <a:xfrm>
-          <a:off x="930341" y="1995262"/>
-          <a:ext cx="7240659" cy="398912"/>
+          <a:off x="907544" y="2309985"/>
+          <a:ext cx="7261729" cy="462119"/>
         </a:xfrm>
         <a:prstGeom prst="rect">
           <a:avLst/>
@@ -6223,7 +6149,7 @@
         </a:fontRef>
       </dsp:style>
       <dsp:txBody>
-        <a:bodyPr spcFirstLastPara="0" vert="horz" wrap="square" lIns="316636" tIns="60960" rIns="60960" bIns="60960" numCol="1" spcCol="1270" anchor="ctr" anchorCtr="0">
+        <a:bodyPr spcFirstLastPara="0" vert="horz" wrap="square" lIns="366808" tIns="60960" rIns="60960" bIns="60960" numCol="1" spcCol="1270" anchor="ctr" anchorCtr="0">
           <a:noAutofit/>
         </a:bodyPr>
         <a:lstStyle/>
@@ -6241,25 +6167,25 @@
           </a:pPr>
           <a:r>
             <a:rPr lang="en-US" sz="2400" kern="1200" dirty="0" smtClean="0"/>
-            <a:t>Technology &amp; development environment</a:t>
+            <a:t>Demonstration</a:t>
           </a:r>
           <a:endParaRPr lang="en-US" sz="2400" kern="1200" dirty="0"/>
         </a:p>
       </dsp:txBody>
       <dsp:txXfrm>
-        <a:off x="930341" y="1995262"/>
-        <a:ext cx="7240659" cy="398912"/>
+        <a:off x="907544" y="2309985"/>
+        <a:ext cx="7261729" cy="462119"/>
       </dsp:txXfrm>
     </dsp:sp>
-    <dsp:sp modelId="{EE20CFA9-0DA5-42D2-A695-B32F0CCCC2C9}">
+    <dsp:sp modelId="{A3E89A63-B901-4849-9AC8-2BA30F665AF1}">
       <dsp:nvSpPr>
         <dsp:cNvPr id="0" name=""/>
         <dsp:cNvSpPr/>
       </dsp:nvSpPr>
       <dsp:spPr>
         <a:xfrm>
-          <a:off x="681021" y="1945398"/>
-          <a:ext cx="498640" cy="498640"/>
+          <a:off x="618719" y="2252220"/>
+          <a:ext cx="577649" cy="577649"/>
         </a:xfrm>
         <a:prstGeom prst="ellipse">
           <a:avLst/>
@@ -6298,15 +6224,15 @@
         <a:fontRef idx="minor"/>
       </dsp:style>
     </dsp:sp>
-    <dsp:sp modelId="{9E335180-6E28-4ED0-A243-978597241A38}">
+    <dsp:sp modelId="{540EAC31-124C-47B4-B94D-A0421FD18053}">
       <dsp:nvSpPr>
         <dsp:cNvPr id="0" name=""/>
         <dsp:cNvSpPr/>
       </dsp:nvSpPr>
       <dsp:spPr>
         <a:xfrm>
-          <a:off x="867133" y="2593981"/>
-          <a:ext cx="7303867" cy="398912"/>
+          <a:off x="733722" y="3003077"/>
+          <a:ext cx="7435550" cy="462119"/>
         </a:xfrm>
         <a:prstGeom prst="rect">
           <a:avLst/>
@@ -6347,7 +6273,7 @@
         </a:fontRef>
       </dsp:style>
       <dsp:txBody>
-        <a:bodyPr spcFirstLastPara="0" vert="horz" wrap="square" lIns="316636" tIns="60960" rIns="60960" bIns="60960" numCol="1" spcCol="1270" anchor="ctr" anchorCtr="0">
+        <a:bodyPr spcFirstLastPara="0" vert="horz" wrap="square" lIns="366808" tIns="60960" rIns="60960" bIns="60960" numCol="1" spcCol="1270" anchor="ctr" anchorCtr="0">
           <a:noAutofit/>
         </a:bodyPr>
         <a:lstStyle/>
@@ -6365,25 +6291,25 @@
           </a:pPr>
           <a:r>
             <a:rPr lang="en-US" sz="2400" kern="1200" dirty="0" smtClean="0"/>
-            <a:t>Demonstration</a:t>
+            <a:t>Advantages &amp; disadvantages of solution</a:t>
           </a:r>
           <a:endParaRPr lang="en-US" sz="2400" kern="1200" dirty="0"/>
         </a:p>
       </dsp:txBody>
       <dsp:txXfrm>
-        <a:off x="867133" y="2593981"/>
-        <a:ext cx="7303867" cy="398912"/>
+        <a:off x="733722" y="3003077"/>
+        <a:ext cx="7435550" cy="462119"/>
       </dsp:txXfrm>
     </dsp:sp>
-    <dsp:sp modelId="{A3E89A63-B901-4849-9AC8-2BA30F665AF1}">
+    <dsp:sp modelId="{F6998E51-831E-4FF7-936A-518A2875D081}">
       <dsp:nvSpPr>
         <dsp:cNvPr id="0" name=""/>
         <dsp:cNvSpPr/>
       </dsp:nvSpPr>
       <dsp:spPr>
         <a:xfrm>
-          <a:off x="617813" y="2544117"/>
-          <a:ext cx="498640" cy="498640"/>
+          <a:off x="444897" y="2945312"/>
+          <a:ext cx="577649" cy="577649"/>
         </a:xfrm>
         <a:prstGeom prst="ellipse">
           <a:avLst/>
@@ -6422,15 +6348,15 @@
         <a:fontRef idx="minor"/>
       </dsp:style>
     </dsp:sp>
-    <dsp:sp modelId="{8DC27B8C-E5A0-413D-A4AA-7D94334D0BF1}">
+    <dsp:sp modelId="{78021907-AE50-4DA4-84E8-5C009494A8AC}">
       <dsp:nvSpPr>
         <dsp:cNvPr id="0" name=""/>
         <dsp:cNvSpPr/>
       </dsp:nvSpPr>
       <dsp:spPr>
         <a:xfrm>
-          <a:off x="669169" y="3192261"/>
-          <a:ext cx="7501831" cy="398912"/>
+          <a:off x="353597" y="3696169"/>
+          <a:ext cx="7815676" cy="462119"/>
         </a:xfrm>
         <a:prstGeom prst="rect">
           <a:avLst/>
@@ -6471,131 +6397,7 @@
         </a:fontRef>
       </dsp:style>
       <dsp:txBody>
-        <a:bodyPr spcFirstLastPara="0" vert="horz" wrap="square" lIns="316636" tIns="60960" rIns="60960" bIns="60960" numCol="1" spcCol="1270" anchor="ctr" anchorCtr="0">
-          <a:noAutofit/>
-        </a:bodyPr>
-        <a:lstStyle/>
-        <a:p>
-          <a:pPr lvl="0" algn="l" defTabSz="1066800">
-            <a:lnSpc>
-              <a:spcPct val="90000"/>
-            </a:lnSpc>
-            <a:spcBef>
-              <a:spcPct val="0"/>
-            </a:spcBef>
-            <a:spcAft>
-              <a:spcPct val="35000"/>
-            </a:spcAft>
-          </a:pPr>
-          <a:r>
-            <a:rPr lang="en-US" sz="2400" kern="1200" dirty="0" smtClean="0"/>
-            <a:t>Advantages &amp; disadvantages of solution</a:t>
-          </a:r>
-          <a:endParaRPr lang="en-US" sz="2400" kern="1200" dirty="0"/>
-        </a:p>
-      </dsp:txBody>
-      <dsp:txXfrm>
-        <a:off x="669169" y="3192261"/>
-        <a:ext cx="7501831" cy="398912"/>
-      </dsp:txXfrm>
-    </dsp:sp>
-    <dsp:sp modelId="{F6998E51-831E-4FF7-936A-518A2875D081}">
-      <dsp:nvSpPr>
-        <dsp:cNvPr id="0" name=""/>
-        <dsp:cNvSpPr/>
-      </dsp:nvSpPr>
-      <dsp:spPr>
-        <a:xfrm>
-          <a:off x="419849" y="3142397"/>
-          <a:ext cx="498640" cy="498640"/>
-        </a:xfrm>
-        <a:prstGeom prst="ellipse">
-          <a:avLst/>
-        </a:prstGeom>
-        <a:solidFill>
-          <a:schemeClr val="lt1">
-            <a:hueOff val="0"/>
-            <a:satOff val="0"/>
-            <a:lumOff val="0"/>
-            <a:alphaOff val="0"/>
-          </a:schemeClr>
-        </a:solidFill>
-        <a:ln w="25400" cap="flat" cmpd="sng" algn="ctr">
-          <a:solidFill>
-            <a:schemeClr val="accent1">
-              <a:hueOff val="0"/>
-              <a:satOff val="0"/>
-              <a:lumOff val="0"/>
-              <a:alphaOff val="0"/>
-            </a:schemeClr>
-          </a:solidFill>
-          <a:prstDash val="solid"/>
-        </a:ln>
-        <a:effectLst/>
-      </dsp:spPr>
-      <dsp:style>
-        <a:lnRef idx="2">
-          <a:scrgbClr r="0" g="0" b="0"/>
-        </a:lnRef>
-        <a:fillRef idx="1">
-          <a:scrgbClr r="0" g="0" b="0"/>
-        </a:fillRef>
-        <a:effectRef idx="0">
-          <a:scrgbClr r="0" g="0" b="0"/>
-        </a:effectRef>
-        <a:fontRef idx="minor"/>
-      </dsp:style>
-    </dsp:sp>
-    <dsp:sp modelId="{064D1FF3-9FAA-4C7C-954C-49E54438744E}">
-      <dsp:nvSpPr>
-        <dsp:cNvPr id="0" name=""/>
-        <dsp:cNvSpPr/>
-      </dsp:nvSpPr>
-      <dsp:spPr>
-        <a:xfrm>
-          <a:off x="307919" y="3790981"/>
-          <a:ext cx="7863082" cy="398912"/>
-        </a:xfrm>
-        <a:prstGeom prst="rect">
-          <a:avLst/>
-        </a:prstGeom>
-        <a:solidFill>
-          <a:schemeClr val="accent1">
-            <a:hueOff val="0"/>
-            <a:satOff val="0"/>
-            <a:lumOff val="0"/>
-            <a:alphaOff val="0"/>
-          </a:schemeClr>
-        </a:solidFill>
-        <a:ln w="25400" cap="flat" cmpd="sng" algn="ctr">
-          <a:solidFill>
-            <a:schemeClr val="lt1">
-              <a:hueOff val="0"/>
-              <a:satOff val="0"/>
-              <a:lumOff val="0"/>
-              <a:alphaOff val="0"/>
-            </a:schemeClr>
-          </a:solidFill>
-          <a:prstDash val="solid"/>
-        </a:ln>
-        <a:effectLst/>
-      </dsp:spPr>
-      <dsp:style>
-        <a:lnRef idx="2">
-          <a:scrgbClr r="0" g="0" b="0"/>
-        </a:lnRef>
-        <a:fillRef idx="1">
-          <a:scrgbClr r="0" g="0" b="0"/>
-        </a:fillRef>
-        <a:effectRef idx="0">
-          <a:scrgbClr r="0" g="0" b="0"/>
-        </a:effectRef>
-        <a:fontRef idx="minor">
-          <a:schemeClr val="lt1"/>
-        </a:fontRef>
-      </dsp:style>
-      <dsp:txBody>
-        <a:bodyPr spcFirstLastPara="0" vert="horz" wrap="square" lIns="316636" tIns="60960" rIns="60960" bIns="60960" numCol="1" spcCol="1270" anchor="ctr" anchorCtr="0">
+        <a:bodyPr spcFirstLastPara="0" vert="horz" wrap="square" lIns="366808" tIns="60960" rIns="60960" bIns="60960" numCol="1" spcCol="1270" anchor="ctr" anchorCtr="0">
           <a:noAutofit/>
         </a:bodyPr>
         <a:lstStyle/>
@@ -6619,8 +6421,8 @@
         </a:p>
       </dsp:txBody>
       <dsp:txXfrm>
-        <a:off x="307919" y="3790981"/>
-        <a:ext cx="7863082" cy="398912"/>
+        <a:off x="353597" y="3696169"/>
+        <a:ext cx="7815676" cy="462119"/>
       </dsp:txXfrm>
     </dsp:sp>
     <dsp:sp modelId="{D50DEEA4-9FE4-4937-B4C5-108EFEA3CAE6}">
@@ -6630,8 +6432,8 @@
       </dsp:nvSpPr>
       <dsp:spPr>
         <a:xfrm>
-          <a:off x="58598" y="3741117"/>
-          <a:ext cx="498640" cy="498640"/>
+          <a:off x="64772" y="3638404"/>
+          <a:ext cx="577649" cy="577649"/>
         </a:xfrm>
         <a:prstGeom prst="ellipse">
           <a:avLst/>
@@ -17530,9 +17332,16 @@
             <p:ph type="ctrTitle"/>
           </p:nvPr>
         </p:nvSpPr>
-        <p:spPr/>
+        <p:spPr>
+          <a:xfrm>
+            <a:off x="609600" y="2895600"/>
+            <a:ext cx="7851648" cy="1828800"/>
+          </a:xfrm>
+        </p:spPr>
         <p:txBody>
-          <a:bodyPr/>
+          <a:bodyPr>
+            <a:normAutofit fontScale="90000"/>
+          </a:bodyPr>
           <a:lstStyle/>
           <a:p>
             <a:r>
@@ -17541,11 +17350,87 @@
                   <a:srgbClr val="FFFF00"/>
                 </a:solidFill>
               </a:rPr>
-              <a:t>THE i-DELIVER SYSTEM</a:t>
+              <a:t>THE i-DELIVER </a:t>
+            </a:r>
+            <a:r>
+              <a:rPr lang="en-US" dirty="0" smtClean="0">
+                <a:solidFill>
+                  <a:srgbClr val="FFFF00"/>
+                </a:solidFill>
+              </a:rPr>
+              <a:t>SYSTEM</a:t>
+            </a:r>
+            <a:br>
+              <a:rPr lang="en-US" dirty="0" smtClean="0">
+                <a:solidFill>
+                  <a:srgbClr val="FFFF00"/>
+                </a:solidFill>
+              </a:rPr>
+            </a:br>
+            <a:r>
+              <a:rPr lang="en-US" dirty="0" smtClean="0">
+                <a:solidFill>
+                  <a:srgbClr val="FFFF00"/>
+                </a:solidFill>
+              </a:rPr>
+              <a:t>  </a:t>
+            </a:r>
+            <a:r>
+              <a:rPr lang="en-US" dirty="0" smtClean="0">
+                <a:solidFill>
+                  <a:schemeClr val="tx1"/>
+                </a:solidFill>
+                <a:effectLst/>
+              </a:rPr>
+              <a:t>A </a:t>
+            </a:r>
+            <a:r>
+              <a:rPr lang="en-US" dirty="0">
+                <a:solidFill>
+                  <a:schemeClr val="tx1"/>
+                </a:solidFill>
+                <a:effectLst/>
+              </a:rPr>
+              <a:t>web-based application that manages the activities of delivery service system </a:t>
+            </a:r>
+            <a:r>
+              <a:rPr lang="en-US" dirty="0" smtClean="0">
+                <a:solidFill>
+                  <a:schemeClr val="tx1"/>
+                </a:solidFill>
+                <a:effectLst/>
+              </a:rPr>
+              <a:t/>
+            </a:r>
+            <a:br>
+              <a:rPr lang="en-US" dirty="0" smtClean="0">
+                <a:solidFill>
+                  <a:schemeClr val="tx1"/>
+                </a:solidFill>
+                <a:effectLst/>
+              </a:rPr>
+            </a:br>
+            <a:r>
+              <a:rPr lang="en-US" dirty="0" smtClean="0">
+                <a:solidFill>
+                  <a:schemeClr val="tx1"/>
+                </a:solidFill>
+                <a:effectLst/>
+              </a:rPr>
+              <a:t>by </a:t>
+            </a:r>
+            <a:r>
+              <a:rPr lang="en-US" dirty="0">
+                <a:solidFill>
+                  <a:schemeClr val="tx1"/>
+                </a:solidFill>
+                <a:effectLst/>
+              </a:rPr>
+              <a:t>coach</a:t>
             </a:r>
             <a:endParaRPr lang="en-US" dirty="0">
               <a:solidFill>
-                <a:srgbClr val="FFFF00"/>
+                <a:schemeClr val="tx1"/>
               </a:solidFill>
             </a:endParaRPr>
           </a:p>
@@ -17561,13 +17446,21 @@
             <p:ph type="subTitle" idx="1"/>
           </p:nvPr>
         </p:nvSpPr>
-        <p:spPr/>
+        <p:spPr>
+          <a:xfrm>
+            <a:off x="304800" y="4953000"/>
+            <a:ext cx="8534400" cy="1752600"/>
+          </a:xfrm>
+        </p:spPr>
         <p:txBody>
-          <a:bodyPr/>
+          <a:bodyPr>
+            <a:normAutofit/>
+          </a:bodyPr>
           <a:lstStyle/>
           <a:p>
+            <a:pPr algn="l"/>
             <a:r>
-              <a:rPr lang="en-US" b="1" dirty="0" smtClean="0">
+              <a:rPr lang="en-US" sz="1800" b="1" dirty="0" smtClean="0">
                 <a:solidFill>
                   <a:srgbClr val="FFFF00"/>
                 </a:solidFill>
@@ -17575,9 +17468,95 @@
                 <a:ea typeface="Tahoma" pitchFamily="34" charset="0"/>
                 <a:cs typeface="Tahoma" pitchFamily="34" charset="0"/>
               </a:rPr>
-              <a:t>GROUP 18</a:t>
+              <a:t>GROUP </a:t>
             </a:r>
-            <a:endParaRPr lang="en-US" b="1" dirty="0">
+            <a:r>
+              <a:rPr lang="en-US" sz="1800" b="1" dirty="0" smtClean="0">
+                <a:solidFill>
+                  <a:srgbClr val="FFFF00"/>
+                </a:solidFill>
+                <a:latin typeface="Tahoma" pitchFamily="34" charset="0"/>
+                <a:ea typeface="Tahoma" pitchFamily="34" charset="0"/>
+                <a:cs typeface="Tahoma" pitchFamily="34" charset="0"/>
+              </a:rPr>
+              <a:t>18 – FPT UNIVERSITY			                 </a:t>
+            </a:r>
+            <a:r>
+              <a:rPr lang="en-US" sz="1800" b="1" dirty="0" smtClean="0">
+                <a:solidFill>
+                  <a:srgbClr val="FFFF00"/>
+                </a:solidFill>
+                <a:latin typeface="Tahoma" pitchFamily="34" charset="0"/>
+                <a:ea typeface="Tahoma" pitchFamily="34" charset="0"/>
+                <a:cs typeface="Tahoma" pitchFamily="34" charset="0"/>
+              </a:rPr>
+              <a:t>SUPERVISOR</a:t>
+            </a:r>
+            <a:endParaRPr lang="en-US" sz="1800" b="1" dirty="0" smtClean="0">
+              <a:solidFill>
+                <a:srgbClr val="FFFF00"/>
+              </a:solidFill>
+              <a:latin typeface="Tahoma" pitchFamily="34" charset="0"/>
+              <a:ea typeface="Tahoma" pitchFamily="34" charset="0"/>
+              <a:cs typeface="Tahoma" pitchFamily="34" charset="0"/>
+            </a:endParaRPr>
+          </a:p>
+          <a:p>
+            <a:pPr algn="l"/>
+            <a:r>
+              <a:rPr lang="en-US" sz="1600" b="1" dirty="0" smtClean="0">
+                <a:solidFill>
+                  <a:srgbClr val="FFFF00"/>
+                </a:solidFill>
+                <a:latin typeface="Tahoma" pitchFamily="34" charset="0"/>
+                <a:ea typeface="Tahoma" pitchFamily="34" charset="0"/>
+                <a:cs typeface="Tahoma" pitchFamily="34" charset="0"/>
+              </a:rPr>
+              <a:t>LONGDBSE60690					         NGUYỄN TRỌNG TÀI</a:t>
+            </a:r>
+          </a:p>
+          <a:p>
+            <a:pPr algn="l"/>
+            <a:r>
+              <a:rPr lang="en-US" sz="1600" b="1" dirty="0" smtClean="0">
+                <a:solidFill>
+                  <a:srgbClr val="FFFF00"/>
+                </a:solidFill>
+                <a:latin typeface="Tahoma" pitchFamily="34" charset="0"/>
+                <a:ea typeface="Tahoma" pitchFamily="34" charset="0"/>
+                <a:cs typeface="Tahoma" pitchFamily="34" charset="0"/>
+              </a:rPr>
+              <a:t>LULP60563</a:t>
+            </a:r>
+          </a:p>
+          <a:p>
+            <a:pPr algn="l"/>
+            <a:r>
+              <a:rPr lang="en-US" sz="1600" b="1" dirty="0" smtClean="0">
+                <a:solidFill>
+                  <a:srgbClr val="FFFF00"/>
+                </a:solidFill>
+                <a:latin typeface="Tahoma" pitchFamily="34" charset="0"/>
+                <a:ea typeface="Tahoma" pitchFamily="34" charset="0"/>
+                <a:cs typeface="Tahoma" pitchFamily="34" charset="0"/>
+              </a:rPr>
+              <a:t>TUNGNTSE60609</a:t>
+            </a:r>
+          </a:p>
+          <a:p>
+            <a:pPr algn="l"/>
+            <a:r>
+              <a:rPr lang="en-US" sz="1600" b="1" dirty="0" smtClean="0">
+                <a:solidFill>
+                  <a:srgbClr val="FFFF00"/>
+                </a:solidFill>
+                <a:latin typeface="Tahoma" pitchFamily="34" charset="0"/>
+                <a:ea typeface="Tahoma" pitchFamily="34" charset="0"/>
+                <a:cs typeface="Tahoma" pitchFamily="34" charset="0"/>
+              </a:rPr>
+              <a:t>DUCNTSE60660</a:t>
+            </a:r>
+            <a:endParaRPr lang="en-US" sz="1600" b="1" dirty="0">
               <a:solidFill>
                 <a:srgbClr val="FFFF00"/>
               </a:solidFill>
@@ -17637,216 +17616,6 @@
         </p:nvSpPr>
         <p:spPr/>
         <p:txBody>
-          <a:bodyPr/>
-          <a:lstStyle/>
-          <a:p>
-            <a:endParaRPr lang="en-US"/>
-          </a:p>
-        </p:txBody>
-      </p:sp>
-      <p:sp>
-        <p:nvSpPr>
-          <p:cNvPr id="3" name="Content Placeholder 2"/>
-          <p:cNvSpPr>
-            <a:spLocks noGrp="1"/>
-          </p:cNvSpPr>
-          <p:nvPr>
-            <p:ph idx="1"/>
-          </p:nvPr>
-        </p:nvSpPr>
-        <p:spPr/>
-        <p:txBody>
-          <a:bodyPr/>
-          <a:lstStyle/>
-          <a:p>
-            <a:endParaRPr lang="en-US"/>
-          </a:p>
-        </p:txBody>
-      </p:sp>
-    </p:spTree>
-    <p:extLst>
-      <p:ext uri="{BB962C8B-B14F-4D97-AF65-F5344CB8AC3E}">
-        <p14:creationId xmlns:p14="http://schemas.microsoft.com/office/powerpoint/2010/main" val="1345249554"/>
-      </p:ext>
-    </p:extLst>
-  </p:cSld>
-  <p:clrMapOvr>
-    <a:masterClrMapping/>
-  </p:clrMapOvr>
-  <p:timing>
-    <p:tnLst>
-      <p:par>
-        <p:cTn id="1" dur="indefinite" restart="never" nodeType="tmRoot"/>
-      </p:par>
-    </p:tnLst>
-  </p:timing>
-</p:sld>
-</file>
-
-<file path=ppt/slides/slide11.xml><?xml version="1.0" encoding="utf-8"?>
-<p:sld xmlns:a="http://schemas.openxmlformats.org/drawingml/2006/main" xmlns:r="http://schemas.openxmlformats.org/officeDocument/2006/relationships" xmlns:p="http://schemas.openxmlformats.org/presentationml/2006/main">
-  <p:cSld>
-    <p:spTree>
-      <p:nvGrpSpPr>
-        <p:cNvPr id="1" name=""/>
-        <p:cNvGrpSpPr/>
-        <p:nvPr/>
-      </p:nvGrpSpPr>
-      <p:grpSpPr>
-        <a:xfrm>
-          <a:off x="0" y="0"/>
-          <a:ext cx="0" cy="0"/>
-          <a:chOff x="0" y="0"/>
-          <a:chExt cx="0" cy="0"/>
-        </a:xfrm>
-      </p:grpSpPr>
-      <p:sp>
-        <p:nvSpPr>
-          <p:cNvPr id="2" name="Title 1"/>
-          <p:cNvSpPr>
-            <a:spLocks noGrp="1"/>
-          </p:cNvSpPr>
-          <p:nvPr>
-            <p:ph type="title"/>
-          </p:nvPr>
-        </p:nvSpPr>
-        <p:spPr/>
-        <p:txBody>
-          <a:bodyPr/>
-          <a:lstStyle/>
-          <a:p>
-            <a:r>
-              <a:rPr lang="en-US" dirty="0" smtClean="0"/>
-              <a:t>ADVANTAGES OF NEW SYSTEM</a:t>
-            </a:r>
-            <a:endParaRPr lang="en-US" dirty="0"/>
-          </a:p>
-        </p:txBody>
-      </p:sp>
-      <p:sp>
-        <p:nvSpPr>
-          <p:cNvPr id="3" name="Content Placeholder 2"/>
-          <p:cNvSpPr>
-            <a:spLocks noGrp="1"/>
-          </p:cNvSpPr>
-          <p:nvPr>
-            <p:ph idx="1"/>
-          </p:nvPr>
-        </p:nvSpPr>
-        <p:spPr/>
-        <p:txBody>
-          <a:bodyPr>
-            <a:normAutofit lnSpcReduction="10000"/>
-          </a:bodyPr>
-          <a:lstStyle/>
-          <a:p>
-            <a:r>
-              <a:rPr lang="en-US" dirty="0" smtClean="0"/>
-              <a:t>Request for goods delivery easily</a:t>
-            </a:r>
-          </a:p>
-          <a:p>
-            <a:r>
-              <a:rPr lang="en-US" dirty="0" smtClean="0"/>
-              <a:t>Simple ways to manage and tracking requests/packages</a:t>
-            </a:r>
-          </a:p>
-          <a:p>
-            <a:r>
-              <a:rPr lang="en-US" dirty="0" smtClean="0"/>
-              <a:t>Online payment </a:t>
-            </a:r>
-            <a:r>
-              <a:rPr lang="en-US" dirty="0" smtClean="0"/>
-              <a:t>every time </a:t>
-            </a:r>
-            <a:r>
-              <a:rPr lang="en-US" dirty="0" smtClean="0"/>
-              <a:t>everywhere</a:t>
-            </a:r>
-          </a:p>
-          <a:p>
-            <a:r>
-              <a:rPr lang="en-US" dirty="0" smtClean="0"/>
-              <a:t>Small installation cost</a:t>
-            </a:r>
-          </a:p>
-          <a:p>
-            <a:r>
-              <a:rPr lang="en-US" dirty="0" smtClean="0"/>
-              <a:t>Easy deployment</a:t>
-            </a:r>
-          </a:p>
-          <a:p>
-            <a:r>
-              <a:rPr lang="en-US" dirty="0" smtClean="0"/>
-              <a:t>Less hand work, less paper document</a:t>
-            </a:r>
-          </a:p>
-          <a:p>
-            <a:r>
-              <a:rPr lang="en-US" dirty="0" smtClean="0"/>
-              <a:t>Statistics on performance, revenue</a:t>
-            </a:r>
-          </a:p>
-          <a:p>
-            <a:r>
-              <a:rPr lang="en-US" dirty="0" smtClean="0"/>
-              <a:t>Customers can rate and comment about station’s service</a:t>
-            </a:r>
-            <a:endParaRPr lang="en-US" dirty="0"/>
-          </a:p>
-        </p:txBody>
-      </p:sp>
-    </p:spTree>
-    <p:extLst>
-      <p:ext uri="{BB962C8B-B14F-4D97-AF65-F5344CB8AC3E}">
-        <p14:creationId xmlns:p14="http://schemas.microsoft.com/office/powerpoint/2010/main" val="302590877"/>
-      </p:ext>
-    </p:extLst>
-  </p:cSld>
-  <p:clrMapOvr>
-    <a:masterClrMapping/>
-  </p:clrMapOvr>
-  <p:timing>
-    <p:tnLst>
-      <p:par>
-        <p:cTn id="1" dur="indefinite" restart="never" nodeType="tmRoot"/>
-      </p:par>
-    </p:tnLst>
-  </p:timing>
-</p:sld>
-</file>
-
-<file path=ppt/slides/slide12.xml><?xml version="1.0" encoding="utf-8"?>
-<p:sld xmlns:a="http://schemas.openxmlformats.org/drawingml/2006/main" xmlns:r="http://schemas.openxmlformats.org/officeDocument/2006/relationships" xmlns:p="http://schemas.openxmlformats.org/presentationml/2006/main">
-  <p:cSld>
-    <p:spTree>
-      <p:nvGrpSpPr>
-        <p:cNvPr id="1" name=""/>
-        <p:cNvGrpSpPr/>
-        <p:nvPr/>
-      </p:nvGrpSpPr>
-      <p:grpSpPr>
-        <a:xfrm>
-          <a:off x="0" y="0"/>
-          <a:ext cx="0" cy="0"/>
-          <a:chOff x="0" y="0"/>
-          <a:chExt cx="0" cy="0"/>
-        </a:xfrm>
-      </p:grpSpPr>
-      <p:sp>
-        <p:nvSpPr>
-          <p:cNvPr id="2" name="Title 1"/>
-          <p:cNvSpPr>
-            <a:spLocks noGrp="1"/>
-          </p:cNvSpPr>
-          <p:nvPr>
-            <p:ph type="title"/>
-          </p:nvPr>
-        </p:nvSpPr>
-        <p:spPr/>
-        <p:txBody>
           <a:bodyPr>
             <a:normAutofit fontScale="90000"/>
           </a:bodyPr>
@@ -17872,19 +17641,20 @@
         </p:nvSpPr>
         <p:spPr/>
         <p:txBody>
-          <a:bodyPr/>
+          <a:bodyPr numCol="2"/>
           <a:lstStyle/>
           <a:p>
             <a:r>
+              <a:rPr lang="en-US" dirty="0"/>
+              <a:t>Each station must have a staff with basic computer skills to import request </a:t>
+            </a:r>
+            <a:r>
               <a:rPr lang="en-US" dirty="0" smtClean="0"/>
-              <a:t>Each station must have a computer with internet connection</a:t>
+              <a:t>manually</a:t>
             </a:r>
           </a:p>
           <a:p>
-            <a:r>
-              <a:rPr lang="en-US" dirty="0" smtClean="0"/>
-              <a:t>Each station must have a staff with basic computer skills to import request manually</a:t>
-            </a:r>
+            <a:endParaRPr lang="en-US" dirty="0"/>
           </a:p>
           <a:p>
             <a:endParaRPr lang="en-US" dirty="0" smtClean="0"/>
@@ -17892,8 +17662,93 @@
           <a:p>
             <a:endParaRPr lang="en-US" dirty="0"/>
           </a:p>
+          <a:p>
+            <a:endParaRPr lang="en-US" dirty="0" smtClean="0"/>
+          </a:p>
+          <a:p>
+            <a:endParaRPr lang="en-US" dirty="0" smtClean="0"/>
+          </a:p>
+          <a:p>
+            <a:r>
+              <a:rPr lang="en-US" dirty="0" smtClean="0"/>
+              <a:t>Each </a:t>
+            </a:r>
+            <a:r>
+              <a:rPr lang="en-US" dirty="0" smtClean="0"/>
+              <a:t>station must have a computer with internet connection</a:t>
+            </a:r>
+          </a:p>
+          <a:p>
+            <a:endParaRPr lang="en-US" dirty="0" smtClean="0"/>
+          </a:p>
+          <a:p>
+            <a:pPr marL="0" indent="0">
+              <a:buNone/>
+            </a:pPr>
+            <a:endParaRPr lang="en-US" dirty="0"/>
+          </a:p>
         </p:txBody>
       </p:sp>
+      <p:pic>
+        <p:nvPicPr>
+          <p:cNvPr id="5" name="Picture 4"/>
+          <p:cNvPicPr>
+            <a:picLocks noChangeAspect="1"/>
+          </p:cNvPicPr>
+          <p:nvPr/>
+        </p:nvPicPr>
+        <p:blipFill>
+          <a:blip r:embed="rId2">
+            <a:extLst>
+              <a:ext uri="{28A0092B-C50C-407E-A947-70E740481C1C}">
+                <a14:useLocalDpi xmlns:a14="http://schemas.microsoft.com/office/drawing/2010/main" val="0"/>
+              </a:ext>
+            </a:extLst>
+          </a:blip>
+          <a:stretch>
+            <a:fillRect/>
+          </a:stretch>
+        </p:blipFill>
+        <p:spPr>
+          <a:xfrm>
+            <a:off x="838200" y="3766456"/>
+            <a:ext cx="2589340" cy="2558143"/>
+          </a:xfrm>
+          <a:prstGeom prst="rect">
+            <a:avLst/>
+          </a:prstGeom>
+        </p:spPr>
+      </p:pic>
+      <p:pic>
+        <p:nvPicPr>
+          <p:cNvPr id="6" name="Picture 5"/>
+          <p:cNvPicPr>
+            <a:picLocks noChangeAspect="1"/>
+          </p:cNvPicPr>
+          <p:nvPr/>
+        </p:nvPicPr>
+        <p:blipFill>
+          <a:blip r:embed="rId3">
+            <a:extLst>
+              <a:ext uri="{28A0092B-C50C-407E-A947-70E740481C1C}">
+                <a14:useLocalDpi xmlns:a14="http://schemas.microsoft.com/office/drawing/2010/main" val="0"/>
+              </a:ext>
+            </a:extLst>
+          </a:blip>
+          <a:stretch>
+            <a:fillRect/>
+          </a:stretch>
+        </p:blipFill>
+        <p:spPr>
+          <a:xfrm>
+            <a:off x="5029200" y="3766457"/>
+            <a:ext cx="2518682" cy="2518682"/>
+          </a:xfrm>
+          <a:prstGeom prst="rect">
+            <a:avLst/>
+          </a:prstGeom>
+        </p:spPr>
+      </p:pic>
     </p:spTree>
     <p:extLst>
       <p:ext uri="{BB962C8B-B14F-4D97-AF65-F5344CB8AC3E}">
@@ -17914,7 +17769,7 @@
 </p:sld>
 </file>
 
-<file path=ppt/slides/slide13.xml><?xml version="1.0" encoding="utf-8"?>
+<file path=ppt/slides/slide11.xml><?xml version="1.0" encoding="utf-8"?>
 <p:sld xmlns:a="http://schemas.openxmlformats.org/drawingml/2006/main" xmlns:r="http://schemas.openxmlformats.org/officeDocument/2006/relationships" xmlns:p="http://schemas.openxmlformats.org/presentationml/2006/main">
   <p:cSld>
     <p:spTree>
@@ -17977,16 +17832,20 @@
           <a:p>
             <a:r>
               <a:rPr lang="en-US" dirty="0" smtClean="0"/>
-              <a:t>Develop mobile apps on another platform: </a:t>
+              <a:t>Develop mobile </a:t>
             </a:r>
             <a:r>
               <a:rPr lang="en-US" dirty="0" smtClean="0"/>
-              <a:t>iOS</a:t>
+              <a:t>applications for manage package(s) </a:t>
             </a:r>
+            <a:br>
+              <a:rPr lang="en-US" dirty="0" smtClean="0"/>
+            </a:br>
             <a:r>
               <a:rPr lang="en-US" dirty="0" smtClean="0"/>
-              <a:t>, Windows Phone, Android</a:t>
+              <a:t>pick-up/delivery process at customer’s house</a:t>
             </a:r>
+            <a:endParaRPr lang="en-US" dirty="0" smtClean="0"/>
           </a:p>
           <a:p>
             <a:pPr marL="0" indent="0">
@@ -18109,7 +17968,7 @@
 </p:sld>
 </file>
 
-<file path=ppt/slides/slide14.xml><?xml version="1.0" encoding="utf-8"?>
+<file path=ppt/slides/slide12.xml><?xml version="1.0" encoding="utf-8"?>
 <p:sld xmlns:a="http://schemas.openxmlformats.org/drawingml/2006/main" xmlns:r="http://schemas.openxmlformats.org/officeDocument/2006/relationships" xmlns:p="http://schemas.openxmlformats.org/presentationml/2006/main">
   <p:cSld>
     <p:spTree>
@@ -18319,7 +18178,7 @@
             <p:ph idx="1"/>
             <p:extLst>
               <p:ext uri="{D42A27DB-BD31-4B8C-83A1-F6EECF244321}">
-                <p14:modId xmlns:p14="http://schemas.microsoft.com/office/powerpoint/2010/main" val="421323175"/>
+                <p14:modId xmlns:p14="http://schemas.microsoft.com/office/powerpoint/2010/main" val="1711666265"/>
               </p:ext>
             </p:extLst>
           </p:nvPr>
@@ -18381,14 +18240,21 @@
             <p:ph type="title"/>
           </p:nvPr>
         </p:nvSpPr>
-        <p:spPr/>
+        <p:spPr>
+          <a:xfrm>
+            <a:off x="653143" y="602198"/>
+            <a:ext cx="8229600" cy="856488"/>
+          </a:xfrm>
+        </p:spPr>
         <p:txBody>
-          <a:bodyPr/>
+          <a:bodyPr>
+            <a:normAutofit/>
+          </a:bodyPr>
           <a:lstStyle/>
           <a:p>
             <a:r>
               <a:rPr lang="en-US" dirty="0" smtClean="0"/>
-              <a:t>SCENARIO PROBLEMS</a:t>
+              <a:t>CURRENT SCENARIO</a:t>
             </a:r>
             <a:endParaRPr lang="en-US" dirty="0"/>
           </a:p>
@@ -18396,30 +18262,241 @@
       </p:sp>
       <p:sp>
         <p:nvSpPr>
-          <p:cNvPr id="3" name="Content Placeholder 2"/>
-          <p:cNvSpPr>
-            <a:spLocks noGrp="1"/>
+          <p:cNvPr id="5" name="Title 2"/>
+          <p:cNvSpPr txBox="1">
+            <a:spLocks/>
           </p:cNvSpPr>
+          <p:nvPr/>
+        </p:nvSpPr>
+        <p:spPr>
+          <a:xfrm>
+            <a:off x="381000" y="1458686"/>
+            <a:ext cx="8534400" cy="1143000"/>
+          </a:xfrm>
+          <a:prstGeom prst="rect">
+            <a:avLst/>
+          </a:prstGeom>
+        </p:spPr>
+        <p:txBody>
+          <a:bodyPr vert="horz" lIns="0" rIns="0" bIns="0" numCol="2" anchor="b">
+            <a:normAutofit/>
+          </a:bodyPr>
+          <a:lstStyle>
+            <a:lvl1pPr algn="l" rtl="0" eaLnBrk="1" latinLnBrk="0" hangingPunct="1">
+              <a:spcBef>
+                <a:spcPct val="0"/>
+              </a:spcBef>
+              <a:buNone/>
+              <a:defRPr kumimoji="0" sz="5000" b="0" kern="1200">
+                <a:ln>
+                  <a:noFill/>
+                </a:ln>
+                <a:solidFill>
+                  <a:schemeClr val="tx2"/>
+                </a:solidFill>
+                <a:effectLst/>
+                <a:latin typeface="+mj-lt"/>
+                <a:ea typeface="+mj-ea"/>
+                <a:cs typeface="+mj-cs"/>
+              </a:defRPr>
+            </a:lvl1pPr>
+          </a:lstStyle>
+          <a:p>
+            <a:r>
+              <a:rPr lang="en-US" dirty="0" smtClean="0">
+                <a:solidFill>
+                  <a:schemeClr val="accent1">
+                    <a:lumMod val="75000"/>
+                  </a:schemeClr>
+                </a:solidFill>
+              </a:rPr>
+              <a:t>  Advantages</a:t>
+            </a:r>
+            <a:r>
+              <a:rPr lang="en-US" dirty="0" smtClean="0"/>
+              <a:t/>
+            </a:r>
+            <a:br>
+              <a:rPr lang="en-US" dirty="0" smtClean="0"/>
+            </a:br>
+            <a:r>
+              <a:rPr lang="en-US" dirty="0" smtClean="0"/>
+              <a:t> </a:t>
+            </a:r>
+            <a:r>
+              <a:rPr lang="en-US" dirty="0" smtClean="0">
+                <a:solidFill>
+                  <a:schemeClr val="accent1">
+                    <a:lumMod val="75000"/>
+                  </a:schemeClr>
+                </a:solidFill>
+              </a:rPr>
+              <a:t>Disadvantages</a:t>
+            </a:r>
+            <a:endParaRPr lang="en-US" dirty="0">
+              <a:solidFill>
+                <a:schemeClr val="accent1">
+                  <a:lumMod val="75000"/>
+                </a:schemeClr>
+              </a:solidFill>
+            </a:endParaRPr>
+          </a:p>
+        </p:txBody>
+      </p:sp>
+      <p:graphicFrame>
+        <p:nvGraphicFramePr>
+          <p:cNvPr id="6" name="Content Placeholder 3"/>
+          <p:cNvGraphicFramePr>
+            <a:graphicFrameLocks/>
+          </p:cNvGraphicFramePr>
           <p:nvPr>
-            <p:ph idx="1"/>
+            <p:extLst>
+              <p:ext uri="{D42A27DB-BD31-4B8C-83A1-F6EECF244321}">
+                <p14:modId xmlns:p14="http://schemas.microsoft.com/office/powerpoint/2010/main" val="2237879902"/>
+              </p:ext>
+            </p:extLst>
           </p:nvPr>
+        </p:nvGraphicFramePr>
+        <p:xfrm>
+          <a:off x="457200" y="2697163"/>
+          <a:ext cx="8229600" cy="4389437"/>
+        </p:xfrm>
+        <a:graphic>
+          <a:graphicData uri="http://schemas.openxmlformats.org/drawingml/2006/diagram">
+            <dgm:relIds xmlns:dgm="http://schemas.openxmlformats.org/drawingml/2006/diagram" xmlns:r="http://schemas.openxmlformats.org/officeDocument/2006/relationships" r:dm="rId2" r:lo="rId3" r:qs="rId4" r:cs="rId5"/>
+          </a:graphicData>
+        </a:graphic>
+      </p:graphicFrame>
+      <p:pic>
+        <p:nvPicPr>
+          <p:cNvPr id="7" name="Picture 6"/>
+          <p:cNvPicPr>
+            <a:picLocks noChangeAspect="1"/>
+          </p:cNvPicPr>
+          <p:nvPr/>
+        </p:nvPicPr>
+        <p:blipFill>
+          <a:blip r:embed="rId7" cstate="print">
+            <a:extLst>
+              <a:ext uri="{28A0092B-C50C-407E-A947-70E740481C1C}">
+                <a14:useLocalDpi xmlns:a14="http://schemas.microsoft.com/office/drawing/2010/main" val="0"/>
+              </a:ext>
+            </a:extLst>
+          </a:blip>
+          <a:stretch>
+            <a:fillRect/>
+          </a:stretch>
+        </p:blipFill>
+        <p:spPr>
+          <a:xfrm>
+            <a:off x="2601686" y="2873829"/>
+            <a:ext cx="1549400" cy="2324100"/>
+          </a:xfrm>
+          <a:prstGeom prst="rect">
+            <a:avLst/>
+          </a:prstGeom>
+        </p:spPr>
+      </p:pic>
+      <p:sp>
+        <p:nvSpPr>
+          <p:cNvPr id="8" name="TextBox 7"/>
+          <p:cNvSpPr txBox="1"/>
+          <p:nvPr/>
         </p:nvSpPr>
-        <p:spPr/>
+        <p:spPr>
+          <a:xfrm>
+            <a:off x="2601686" y="5197929"/>
+            <a:ext cx="2971800" cy="923330"/>
+          </a:xfrm>
+          <a:prstGeom prst="rect">
+            <a:avLst/>
+          </a:prstGeom>
+          <a:noFill/>
+        </p:spPr>
         <p:txBody>
-          <a:bodyPr/>
+          <a:bodyPr wrap="square" rtlCol="0">
+            <a:spAutoFit/>
+          </a:bodyPr>
           <a:lstStyle/>
           <a:p>
             <a:r>
               <a:rPr lang="en-US" dirty="0" smtClean="0"/>
-              <a:t>The demand of goods delivery using coach beside travellers transport</a:t>
+              <a:t>Internet </a:t>
             </a:r>
+            <a:br>
+              <a:rPr lang="en-US" dirty="0" smtClean="0"/>
+            </a:br>
+            <a:r>
+              <a:rPr lang="en-US" dirty="0" smtClean="0"/>
+              <a:t>connection</a:t>
+            </a:r>
+            <a:br>
+              <a:rPr lang="en-US" dirty="0" smtClean="0"/>
+            </a:br>
+            <a:r>
+              <a:rPr lang="en-US" dirty="0" smtClean="0"/>
+              <a:t>unnecessary</a:t>
+            </a:r>
+            <a:endParaRPr lang="en-US" dirty="0"/>
           </a:p>
+        </p:txBody>
+      </p:sp>
+      <p:pic>
+        <p:nvPicPr>
+          <p:cNvPr id="9" name="Picture 8"/>
+          <p:cNvPicPr>
+            <a:picLocks noChangeAspect="1"/>
+          </p:cNvPicPr>
+          <p:nvPr/>
+        </p:nvPicPr>
+        <p:blipFill>
+          <a:blip r:embed="rId8">
+            <a:extLst>
+              <a:ext uri="{28A0092B-C50C-407E-A947-70E740481C1C}">
+                <a14:useLocalDpi xmlns:a14="http://schemas.microsoft.com/office/drawing/2010/main" val="0"/>
+              </a:ext>
+            </a:extLst>
+          </a:blip>
+          <a:stretch>
+            <a:fillRect/>
+          </a:stretch>
+        </p:blipFill>
+        <p:spPr>
+          <a:xfrm>
+            <a:off x="4887686" y="4852845"/>
+            <a:ext cx="2324100" cy="1547955"/>
+          </a:xfrm>
+          <a:prstGeom prst="rect">
+            <a:avLst/>
+          </a:prstGeom>
+        </p:spPr>
+      </p:pic>
+      <p:sp>
+        <p:nvSpPr>
+          <p:cNvPr id="10" name="TextBox 9"/>
+          <p:cNvSpPr txBox="1"/>
+          <p:nvPr/>
+        </p:nvSpPr>
+        <p:spPr>
+          <a:xfrm>
+            <a:off x="4920343" y="6400800"/>
+            <a:ext cx="3156857" cy="369332"/>
+          </a:xfrm>
+          <a:prstGeom prst="rect">
+            <a:avLst/>
+          </a:prstGeom>
+          <a:noFill/>
+        </p:spPr>
+        <p:txBody>
+          <a:bodyPr wrap="square" rtlCol="0">
+            <a:spAutoFit/>
+          </a:bodyPr>
+          <a:lstStyle/>
           <a:p>
             <a:r>
               <a:rPr lang="en-US" dirty="0" smtClean="0"/>
-              <a:t>The traditional delivery process has many disadvantages</a:t>
+              <a:t>Ineffective manual work</a:t>
             </a:r>
-            <a:endParaRPr lang="en-US" dirty="0"/>
           </a:p>
         </p:txBody>
       </p:sp>
@@ -18477,328 +18554,11 @@
           <a:p>
             <a:r>
               <a:rPr lang="en-US" dirty="0" smtClean="0"/>
-              <a:t>The traditional delivery process</a:t>
+              <a:t>PROPOSE </a:t>
             </a:r>
-            <a:endParaRPr lang="en-US" dirty="0"/>
-          </a:p>
-        </p:txBody>
-      </p:sp>
-      <p:pic>
-        <p:nvPicPr>
-          <p:cNvPr id="6" name="Content Placeholder 5"/>
-          <p:cNvPicPr>
-            <a:picLocks noGrp="1" noChangeAspect="1"/>
-          </p:cNvPicPr>
-          <p:nvPr>
-            <p:ph idx="1"/>
-          </p:nvPr>
-        </p:nvPicPr>
-        <p:blipFill>
-          <a:blip r:embed="rId2">
-            <a:extLst>
-              <a:ext uri="{28A0092B-C50C-407E-A947-70E740481C1C}">
-                <a14:useLocalDpi xmlns:a14="http://schemas.microsoft.com/office/drawing/2010/main" val="0"/>
-              </a:ext>
-            </a:extLst>
-          </a:blip>
-          <a:stretch>
-            <a:fillRect/>
-          </a:stretch>
-        </p:blipFill>
-        <p:spPr>
-          <a:xfrm>
-            <a:off x="457200" y="2221281"/>
-            <a:ext cx="8229600" cy="3817201"/>
-          </a:xfrm>
-        </p:spPr>
-      </p:pic>
-    </p:spTree>
-    <p:extLst>
-      <p:ext uri="{BB962C8B-B14F-4D97-AF65-F5344CB8AC3E}">
-        <p14:creationId xmlns:p14="http://schemas.microsoft.com/office/powerpoint/2010/main" val="2935550924"/>
-      </p:ext>
-    </p:extLst>
-  </p:cSld>
-  <p:clrMapOvr>
-    <a:masterClrMapping/>
-  </p:clrMapOvr>
-  <p:timing>
-    <p:tnLst>
-      <p:par>
-        <p:cTn id="1" dur="indefinite" restart="never" nodeType="tmRoot"/>
-      </p:par>
-    </p:tnLst>
-  </p:timing>
-</p:sld>
-</file>
-
-<file path=ppt/slides/slide6.xml><?xml version="1.0" encoding="utf-8"?>
-<p:sld xmlns:a="http://schemas.openxmlformats.org/drawingml/2006/main" xmlns:r="http://schemas.openxmlformats.org/officeDocument/2006/relationships" xmlns:p="http://schemas.openxmlformats.org/presentationml/2006/main">
-  <p:cSld>
-    <p:spTree>
-      <p:nvGrpSpPr>
-        <p:cNvPr id="1" name=""/>
-        <p:cNvGrpSpPr/>
-        <p:nvPr/>
-      </p:nvGrpSpPr>
-      <p:grpSpPr>
-        <a:xfrm>
-          <a:off x="0" y="0"/>
-          <a:ext cx="0" cy="0"/>
-          <a:chOff x="0" y="0"/>
-          <a:chExt cx="0" cy="0"/>
-        </a:xfrm>
-      </p:grpSpPr>
-      <p:sp>
-        <p:nvSpPr>
-          <p:cNvPr id="3" name="Title 2"/>
-          <p:cNvSpPr>
-            <a:spLocks noGrp="1"/>
-          </p:cNvSpPr>
-          <p:nvPr>
-            <p:ph type="title"/>
-          </p:nvPr>
-        </p:nvSpPr>
-        <p:spPr>
-          <a:xfrm>
-            <a:off x="457200" y="704088"/>
-            <a:ext cx="8534400" cy="1143000"/>
-          </a:xfrm>
-        </p:spPr>
-        <p:txBody>
-          <a:bodyPr numCol="2">
-            <a:normAutofit fontScale="90000"/>
-          </a:bodyPr>
-          <a:lstStyle/>
-          <a:p>
             <a:r>
               <a:rPr lang="en-US" dirty="0" smtClean="0"/>
-              <a:t>ADVANTAGES</a:t>
-            </a:r>
-            <a:br>
-              <a:rPr lang="en-US" dirty="0" smtClean="0"/>
-            </a:br>
-            <a:r>
-              <a:rPr lang="en-US" dirty="0" smtClean="0"/>
-              <a:t> DISADVANTAGES</a:t>
-            </a:r>
-            <a:endParaRPr lang="en-US" dirty="0"/>
-          </a:p>
-        </p:txBody>
-      </p:sp>
-      <p:graphicFrame>
-        <p:nvGraphicFramePr>
-          <p:cNvPr id="4" name="Content Placeholder 3"/>
-          <p:cNvGraphicFramePr>
-            <a:graphicFrameLocks noGrp="1"/>
-          </p:cNvGraphicFramePr>
-          <p:nvPr>
-            <p:ph idx="1"/>
-            <p:extLst>
-              <p:ext uri="{D42A27DB-BD31-4B8C-83A1-F6EECF244321}">
-                <p14:modId xmlns:p14="http://schemas.microsoft.com/office/powerpoint/2010/main" val="1382723697"/>
-              </p:ext>
-            </p:extLst>
-          </p:nvPr>
-        </p:nvGraphicFramePr>
-        <p:xfrm>
-          <a:off x="457200" y="1935163"/>
-          <a:ext cx="8229600" cy="4389437"/>
-        </p:xfrm>
-        <a:graphic>
-          <a:graphicData uri="http://schemas.openxmlformats.org/drawingml/2006/diagram">
-            <dgm:relIds xmlns:dgm="http://schemas.openxmlformats.org/drawingml/2006/diagram" xmlns:r="http://schemas.openxmlformats.org/officeDocument/2006/relationships" r:dm="rId2" r:lo="rId3" r:qs="rId4" r:cs="rId5"/>
-          </a:graphicData>
-        </a:graphic>
-      </p:graphicFrame>
-      <p:pic>
-        <p:nvPicPr>
-          <p:cNvPr id="7" name="Picture 6"/>
-          <p:cNvPicPr>
-            <a:picLocks noChangeAspect="1"/>
-          </p:cNvPicPr>
-          <p:nvPr/>
-        </p:nvPicPr>
-        <p:blipFill>
-          <a:blip r:embed="rId7" cstate="print">
-            <a:extLst>
-              <a:ext uri="{28A0092B-C50C-407E-A947-70E740481C1C}">
-                <a14:useLocalDpi xmlns:a14="http://schemas.microsoft.com/office/drawing/2010/main" val="0"/>
-              </a:ext>
-            </a:extLst>
-          </a:blip>
-          <a:stretch>
-            <a:fillRect/>
-          </a:stretch>
-        </p:blipFill>
-        <p:spPr>
-          <a:xfrm>
-            <a:off x="2601686" y="2111829"/>
-            <a:ext cx="1549400" cy="2324100"/>
-          </a:xfrm>
-          <a:prstGeom prst="rect">
-            <a:avLst/>
-          </a:prstGeom>
-        </p:spPr>
-      </p:pic>
-      <p:sp>
-        <p:nvSpPr>
-          <p:cNvPr id="8" name="TextBox 7"/>
-          <p:cNvSpPr txBox="1"/>
-          <p:nvPr/>
-        </p:nvSpPr>
-        <p:spPr>
-          <a:xfrm>
-            <a:off x="2601686" y="4435929"/>
-            <a:ext cx="2971800" cy="923330"/>
-          </a:xfrm>
-          <a:prstGeom prst="rect">
-            <a:avLst/>
-          </a:prstGeom>
-          <a:noFill/>
-        </p:spPr>
-        <p:txBody>
-          <a:bodyPr wrap="square" rtlCol="0">
-            <a:spAutoFit/>
-          </a:bodyPr>
-          <a:lstStyle/>
-          <a:p>
-            <a:r>
-              <a:rPr lang="en-US" dirty="0" smtClean="0"/>
-              <a:t>Internet </a:t>
-            </a:r>
-            <a:br>
-              <a:rPr lang="en-US" dirty="0" smtClean="0"/>
-            </a:br>
-            <a:r>
-              <a:rPr lang="en-US" dirty="0" smtClean="0"/>
-              <a:t>connection</a:t>
-            </a:r>
-            <a:br>
-              <a:rPr lang="en-US" dirty="0" smtClean="0"/>
-            </a:br>
-            <a:r>
-              <a:rPr lang="en-US" dirty="0" smtClean="0"/>
-              <a:t>unnecessary</a:t>
-            </a:r>
-            <a:endParaRPr lang="en-US" dirty="0"/>
-          </a:p>
-        </p:txBody>
-      </p:sp>
-      <p:pic>
-        <p:nvPicPr>
-          <p:cNvPr id="9" name="Picture 8"/>
-          <p:cNvPicPr>
-            <a:picLocks noChangeAspect="1"/>
-          </p:cNvPicPr>
-          <p:nvPr/>
-        </p:nvPicPr>
-        <p:blipFill>
-          <a:blip r:embed="rId8">
-            <a:extLst>
-              <a:ext uri="{28A0092B-C50C-407E-A947-70E740481C1C}">
-                <a14:useLocalDpi xmlns:a14="http://schemas.microsoft.com/office/drawing/2010/main" val="0"/>
-              </a:ext>
-            </a:extLst>
-          </a:blip>
-          <a:stretch>
-            <a:fillRect/>
-          </a:stretch>
-        </p:blipFill>
-        <p:spPr>
-          <a:xfrm>
-            <a:off x="4887686" y="4090845"/>
-            <a:ext cx="2324100" cy="1547955"/>
-          </a:xfrm>
-          <a:prstGeom prst="rect">
-            <a:avLst/>
-          </a:prstGeom>
-        </p:spPr>
-      </p:pic>
-      <p:sp>
-        <p:nvSpPr>
-          <p:cNvPr id="10" name="TextBox 9"/>
-          <p:cNvSpPr txBox="1"/>
-          <p:nvPr/>
-        </p:nvSpPr>
-        <p:spPr>
-          <a:xfrm>
-            <a:off x="4920343" y="5638800"/>
-            <a:ext cx="3156857" cy="369332"/>
-          </a:xfrm>
-          <a:prstGeom prst="rect">
-            <a:avLst/>
-          </a:prstGeom>
-          <a:noFill/>
-        </p:spPr>
-        <p:txBody>
-          <a:bodyPr wrap="square" rtlCol="0">
-            <a:spAutoFit/>
-          </a:bodyPr>
-          <a:lstStyle/>
-          <a:p>
-            <a:r>
-              <a:rPr lang="en-US" dirty="0" smtClean="0"/>
-              <a:t>Ineffective manual work</a:t>
-            </a:r>
-          </a:p>
-        </p:txBody>
-      </p:sp>
-    </p:spTree>
-    <p:extLst>
-      <p:ext uri="{BB962C8B-B14F-4D97-AF65-F5344CB8AC3E}">
-        <p14:creationId xmlns:p14="http://schemas.microsoft.com/office/powerpoint/2010/main" val="2702659515"/>
-      </p:ext>
-    </p:extLst>
-  </p:cSld>
-  <p:clrMapOvr>
-    <a:masterClrMapping/>
-  </p:clrMapOvr>
-  <p:timing>
-    <p:tnLst>
-      <p:par>
-        <p:cTn id="1" dur="indefinite" restart="never" nodeType="tmRoot"/>
-      </p:par>
-    </p:tnLst>
-  </p:timing>
-</p:sld>
-</file>
-
-<file path=ppt/slides/slide7.xml><?xml version="1.0" encoding="utf-8"?>
-<p:sld xmlns:a="http://schemas.openxmlformats.org/drawingml/2006/main" xmlns:r="http://schemas.openxmlformats.org/officeDocument/2006/relationships" xmlns:p="http://schemas.openxmlformats.org/presentationml/2006/main">
-  <p:cSld>
-    <p:spTree>
-      <p:nvGrpSpPr>
-        <p:cNvPr id="1" name=""/>
-        <p:cNvGrpSpPr/>
-        <p:nvPr/>
-      </p:nvGrpSpPr>
-      <p:grpSpPr>
-        <a:xfrm>
-          <a:off x="0" y="0"/>
-          <a:ext cx="0" cy="0"/>
-          <a:chOff x="0" y="0"/>
-          <a:chExt cx="0" cy="0"/>
-        </a:xfrm>
-      </p:grpSpPr>
-      <p:sp>
-        <p:nvSpPr>
-          <p:cNvPr id="2" name="Title 1"/>
-          <p:cNvSpPr>
-            <a:spLocks noGrp="1"/>
-          </p:cNvSpPr>
-          <p:nvPr>
-            <p:ph type="title"/>
-          </p:nvPr>
-        </p:nvSpPr>
-        <p:spPr/>
-        <p:txBody>
-          <a:bodyPr/>
-          <a:lstStyle/>
-          <a:p>
-            <a:r>
-              <a:rPr lang="en-US" dirty="0" smtClean="0"/>
-              <a:t>PROPOSE SCENARIO</a:t>
+              <a:t>SOLUTION</a:t>
             </a:r>
             <a:endParaRPr lang="en-US" dirty="0"/>
           </a:p>
@@ -18897,7 +18657,7 @@
 </p:sld>
 </file>
 
-<file path=ppt/slides/slide8.xml><?xml version="1.0" encoding="utf-8"?>
+<file path=ppt/slides/slide6.xml><?xml version="1.0" encoding="utf-8"?>
 <p:sld xmlns:a="http://schemas.openxmlformats.org/drawingml/2006/main" xmlns:r="http://schemas.openxmlformats.org/officeDocument/2006/relationships" xmlns:p="http://schemas.openxmlformats.org/presentationml/2006/main">
   <p:cSld>
     <p:spTree>
@@ -18987,7 +18747,7 @@
 </p:sld>
 </file>
 
-<file path=ppt/slides/slide9.xml><?xml version="1.0" encoding="utf-8"?>
+<file path=ppt/slides/slide7.xml><?xml version="1.0" encoding="utf-8"?>
 <p:sld xmlns:a="http://schemas.openxmlformats.org/drawingml/2006/main" xmlns:r="http://schemas.openxmlformats.org/officeDocument/2006/relationships" xmlns:p="http://schemas.openxmlformats.org/presentationml/2006/main">
   <p:cSld>
     <p:spTree>
@@ -19212,6 +18972,231 @@
     <p:extLst>
       <p:ext uri="{BB962C8B-B14F-4D97-AF65-F5344CB8AC3E}">
         <p14:creationId xmlns:p14="http://schemas.microsoft.com/office/powerpoint/2010/main" val="2366842161"/>
+      </p:ext>
+    </p:extLst>
+  </p:cSld>
+  <p:clrMapOvr>
+    <a:masterClrMapping/>
+  </p:clrMapOvr>
+  <p:timing>
+    <p:tnLst>
+      <p:par>
+        <p:cTn id="1" dur="indefinite" restart="never" nodeType="tmRoot"/>
+      </p:par>
+    </p:tnLst>
+  </p:timing>
+</p:sld>
+</file>
+
+<file path=ppt/slides/slide8.xml><?xml version="1.0" encoding="utf-8"?>
+<p:sld xmlns:a="http://schemas.openxmlformats.org/drawingml/2006/main" xmlns:r="http://schemas.openxmlformats.org/officeDocument/2006/relationships" xmlns:p="http://schemas.openxmlformats.org/presentationml/2006/main">
+  <p:cSld>
+    <p:spTree>
+      <p:nvGrpSpPr>
+        <p:cNvPr id="1" name=""/>
+        <p:cNvGrpSpPr/>
+        <p:nvPr/>
+      </p:nvGrpSpPr>
+      <p:grpSpPr>
+        <a:xfrm>
+          <a:off x="0" y="0"/>
+          <a:ext cx="0" cy="0"/>
+          <a:chOff x="0" y="0"/>
+          <a:chExt cx="0" cy="0"/>
+        </a:xfrm>
+      </p:grpSpPr>
+      <p:sp>
+        <p:nvSpPr>
+          <p:cNvPr id="2" name="Title 1"/>
+          <p:cNvSpPr>
+            <a:spLocks noGrp="1"/>
+          </p:cNvSpPr>
+          <p:nvPr>
+            <p:ph type="title"/>
+          </p:nvPr>
+        </p:nvSpPr>
+        <p:spPr>
+          <a:xfrm>
+            <a:off x="457200" y="2895600"/>
+            <a:ext cx="8229600" cy="1143000"/>
+          </a:xfrm>
+        </p:spPr>
+        <p:txBody>
+          <a:bodyPr/>
+          <a:lstStyle/>
+          <a:p>
+            <a:pPr algn="ctr"/>
+            <a:r>
+              <a:rPr lang="en-US" dirty="0" smtClean="0"/>
+              <a:t>DEMONSTRATION</a:t>
+            </a:r>
+            <a:endParaRPr lang="en-US" dirty="0"/>
+          </a:p>
+        </p:txBody>
+      </p:sp>
+    </p:spTree>
+    <p:extLst>
+      <p:ext uri="{BB962C8B-B14F-4D97-AF65-F5344CB8AC3E}">
+        <p14:creationId xmlns:p14="http://schemas.microsoft.com/office/powerpoint/2010/main" val="1345249554"/>
+      </p:ext>
+    </p:extLst>
+  </p:cSld>
+  <p:clrMapOvr>
+    <a:masterClrMapping/>
+  </p:clrMapOvr>
+  <p:timing>
+    <p:tnLst>
+      <p:par>
+        <p:cTn id="1" dur="indefinite" restart="never" nodeType="tmRoot"/>
+      </p:par>
+    </p:tnLst>
+  </p:timing>
+</p:sld>
+</file>
+
+<file path=ppt/slides/slide9.xml><?xml version="1.0" encoding="utf-8"?>
+<p:sld xmlns:a="http://schemas.openxmlformats.org/drawingml/2006/main" xmlns:r="http://schemas.openxmlformats.org/officeDocument/2006/relationships" xmlns:p="http://schemas.openxmlformats.org/presentationml/2006/main">
+  <p:cSld>
+    <p:spTree>
+      <p:nvGrpSpPr>
+        <p:cNvPr id="1" name=""/>
+        <p:cNvGrpSpPr/>
+        <p:nvPr/>
+      </p:nvGrpSpPr>
+      <p:grpSpPr>
+        <a:xfrm>
+          <a:off x="0" y="0"/>
+          <a:ext cx="0" cy="0"/>
+          <a:chOff x="0" y="0"/>
+          <a:chExt cx="0" cy="0"/>
+        </a:xfrm>
+      </p:grpSpPr>
+      <p:sp>
+        <p:nvSpPr>
+          <p:cNvPr id="2" name="Title 1"/>
+          <p:cNvSpPr>
+            <a:spLocks noGrp="1"/>
+          </p:cNvSpPr>
+          <p:nvPr>
+            <p:ph type="title"/>
+          </p:nvPr>
+        </p:nvSpPr>
+        <p:spPr/>
+        <p:txBody>
+          <a:bodyPr/>
+          <a:lstStyle/>
+          <a:p>
+            <a:r>
+              <a:rPr lang="en-US" dirty="0" smtClean="0"/>
+              <a:t>ADVANTAGES OF NEW SYSTEM</a:t>
+            </a:r>
+            <a:endParaRPr lang="en-US" dirty="0"/>
+          </a:p>
+        </p:txBody>
+      </p:sp>
+      <p:sp>
+        <p:nvSpPr>
+          <p:cNvPr id="3" name="Content Placeholder 2"/>
+          <p:cNvSpPr>
+            <a:spLocks noGrp="1"/>
+          </p:cNvSpPr>
+          <p:nvPr>
+            <p:ph idx="1"/>
+          </p:nvPr>
+        </p:nvSpPr>
+        <p:spPr/>
+        <p:txBody>
+          <a:bodyPr>
+            <a:normAutofit/>
+          </a:bodyPr>
+          <a:lstStyle/>
+          <a:p>
+            <a:r>
+              <a:rPr lang="en-US" dirty="0" smtClean="0"/>
+              <a:t>Request for goods delivery easily</a:t>
+            </a:r>
+          </a:p>
+          <a:p>
+            <a:r>
+              <a:rPr lang="en-US" dirty="0" smtClean="0"/>
+              <a:t>Simple ways </a:t>
+            </a:r>
+            <a:r>
+              <a:rPr lang="en-US" dirty="0" smtClean="0"/>
+              <a:t>tracking packages</a:t>
+            </a:r>
+            <a:endParaRPr lang="en-US" dirty="0" smtClean="0"/>
+          </a:p>
+          <a:p>
+            <a:r>
+              <a:rPr lang="en-US" dirty="0" smtClean="0"/>
+              <a:t>Online payment every time </a:t>
+            </a:r>
+            <a:r>
+              <a:rPr lang="en-US" dirty="0" smtClean="0"/>
+              <a:t>everywhere</a:t>
+            </a:r>
+          </a:p>
+          <a:p>
+            <a:r>
+              <a:rPr lang="en-US" dirty="0"/>
+              <a:t>Customers can rate and comment about station’s </a:t>
+            </a:r>
+            <a:r>
+              <a:rPr lang="en-US" dirty="0" smtClean="0"/>
+              <a:t>service</a:t>
+            </a:r>
+          </a:p>
+          <a:p>
+            <a:r>
+              <a:rPr lang="en-US" dirty="0" smtClean="0"/>
+              <a:t>Easy to manage package(s), less </a:t>
+            </a:r>
+            <a:r>
+              <a:rPr lang="en-US" dirty="0"/>
+              <a:t>hand work, less paper </a:t>
+            </a:r>
+            <a:r>
+              <a:rPr lang="en-US" dirty="0" smtClean="0"/>
+              <a:t>document</a:t>
+            </a:r>
+            <a:endParaRPr lang="en-US" dirty="0" smtClean="0"/>
+          </a:p>
+          <a:p>
+            <a:r>
+              <a:rPr lang="en-US" dirty="0" smtClean="0"/>
+              <a:t>Small installation </a:t>
+            </a:r>
+            <a:r>
+              <a:rPr lang="en-US" dirty="0" smtClean="0"/>
+              <a:t>cost, easy </a:t>
+            </a:r>
+            <a:r>
+              <a:rPr lang="en-US" dirty="0" smtClean="0"/>
+              <a:t>deployment</a:t>
+            </a:r>
+          </a:p>
+          <a:p>
+            <a:r>
+              <a:rPr lang="en-US" dirty="0" smtClean="0"/>
+              <a:t>Statistics </a:t>
+            </a:r>
+            <a:r>
+              <a:rPr lang="en-US" dirty="0" smtClean="0"/>
+              <a:t>on performance, </a:t>
+            </a:r>
+            <a:r>
+              <a:rPr lang="en-US" dirty="0" smtClean="0"/>
+              <a:t>revenue</a:t>
+            </a:r>
+            <a:endParaRPr lang="en-US" dirty="0" smtClean="0"/>
+          </a:p>
+        </p:txBody>
+      </p:sp>
+    </p:spTree>
+    <p:extLst>
+      <p:ext uri="{BB962C8B-B14F-4D97-AF65-F5344CB8AC3E}">
+        <p14:creationId xmlns:p14="http://schemas.microsoft.com/office/powerpoint/2010/main" val="302590877"/>
       </p:ext>
     </p:extLst>
   </p:cSld>
